--- a/lecture_material/1_think_like_computer.pptx
+++ b/lecture_material/1_think_like_computer.pptx
@@ -11,7 +11,7 @@
     <p:sldId id="256" r:id="rId2"/>
     <p:sldId id="257" r:id="rId3"/>
     <p:sldId id="258" r:id="rId4"/>
-    <p:sldId id="279" r:id="rId5"/>
+    <p:sldId id="280" r:id="rId5"/>
     <p:sldId id="259" r:id="rId6"/>
     <p:sldId id="260" r:id="rId7"/>
     <p:sldId id="261" r:id="rId8"/>
@@ -220,7 +220,7 @@
           <a:p>
             <a:fld id="{35FF9D56-9843-D447-A2FA-830B452727C4}" type="datetimeFigureOut">
               <a:rPr lang="en-US" smtClean="0"/>
-              <a:t>12/27/23</a:t>
+              <a:t>12/28/23</a:t>
             </a:fld>
             <a:endParaRPr lang="en-US"/>
           </a:p>
@@ -1731,7 +1731,7 @@
           <a:p>
             <a:fld id="{48B61B05-3ABA-374A-A954-F456CBED3C32}" type="datetimeFigureOut">
               <a:rPr lang="en-US" smtClean="0"/>
-              <a:t>12/27/23</a:t>
+              <a:t>12/28/23</a:t>
             </a:fld>
             <a:endParaRPr lang="en-US"/>
           </a:p>
@@ -1929,7 +1929,7 @@
           <a:p>
             <a:fld id="{48B61B05-3ABA-374A-A954-F456CBED3C32}" type="datetimeFigureOut">
               <a:rPr lang="en-US" smtClean="0"/>
-              <a:t>12/27/23</a:t>
+              <a:t>12/28/23</a:t>
             </a:fld>
             <a:endParaRPr lang="en-US"/>
           </a:p>
@@ -2137,7 +2137,7 @@
           <a:p>
             <a:fld id="{48B61B05-3ABA-374A-A954-F456CBED3C32}" type="datetimeFigureOut">
               <a:rPr lang="en-US" smtClean="0"/>
-              <a:t>12/27/23</a:t>
+              <a:t>12/28/23</a:t>
             </a:fld>
             <a:endParaRPr lang="en-US"/>
           </a:p>
@@ -2335,7 +2335,7 @@
           <a:p>
             <a:fld id="{48B61B05-3ABA-374A-A954-F456CBED3C32}" type="datetimeFigureOut">
               <a:rPr lang="en-US" smtClean="0"/>
-              <a:t>12/27/23</a:t>
+              <a:t>12/28/23</a:t>
             </a:fld>
             <a:endParaRPr lang="en-US"/>
           </a:p>
@@ -2610,7 +2610,7 @@
           <a:p>
             <a:fld id="{48B61B05-3ABA-374A-A954-F456CBED3C32}" type="datetimeFigureOut">
               <a:rPr lang="en-US" smtClean="0"/>
-              <a:t>12/27/23</a:t>
+              <a:t>12/28/23</a:t>
             </a:fld>
             <a:endParaRPr lang="en-US"/>
           </a:p>
@@ -2875,7 +2875,7 @@
           <a:p>
             <a:fld id="{48B61B05-3ABA-374A-A954-F456CBED3C32}" type="datetimeFigureOut">
               <a:rPr lang="en-US" smtClean="0"/>
-              <a:t>12/27/23</a:t>
+              <a:t>12/28/23</a:t>
             </a:fld>
             <a:endParaRPr lang="en-US"/>
           </a:p>
@@ -3287,7 +3287,7 @@
           <a:p>
             <a:fld id="{48B61B05-3ABA-374A-A954-F456CBED3C32}" type="datetimeFigureOut">
               <a:rPr lang="en-US" smtClean="0"/>
-              <a:t>12/27/23</a:t>
+              <a:t>12/28/23</a:t>
             </a:fld>
             <a:endParaRPr lang="en-US"/>
           </a:p>
@@ -3428,7 +3428,7 @@
           <a:p>
             <a:fld id="{48B61B05-3ABA-374A-A954-F456CBED3C32}" type="datetimeFigureOut">
               <a:rPr lang="en-US" smtClean="0"/>
-              <a:t>12/27/23</a:t>
+              <a:t>12/28/23</a:t>
             </a:fld>
             <a:endParaRPr lang="en-US"/>
           </a:p>
@@ -3541,7 +3541,7 @@
           <a:p>
             <a:fld id="{48B61B05-3ABA-374A-A954-F456CBED3C32}" type="datetimeFigureOut">
               <a:rPr lang="en-US" smtClean="0"/>
-              <a:t>12/27/23</a:t>
+              <a:t>12/28/23</a:t>
             </a:fld>
             <a:endParaRPr lang="en-US"/>
           </a:p>
@@ -3852,7 +3852,7 @@
           <a:p>
             <a:fld id="{48B61B05-3ABA-374A-A954-F456CBED3C32}" type="datetimeFigureOut">
               <a:rPr lang="en-US" smtClean="0"/>
-              <a:t>12/27/23</a:t>
+              <a:t>12/28/23</a:t>
             </a:fld>
             <a:endParaRPr lang="en-US"/>
           </a:p>
@@ -4140,7 +4140,7 @@
           <a:p>
             <a:fld id="{48B61B05-3ABA-374A-A954-F456CBED3C32}" type="datetimeFigureOut">
               <a:rPr lang="en-US" smtClean="0"/>
-              <a:t>12/27/23</a:t>
+              <a:t>12/28/23</a:t>
             </a:fld>
             <a:endParaRPr lang="en-US"/>
           </a:p>
@@ -4381,7 +4381,7 @@
           <a:p>
             <a:fld id="{48B61B05-3ABA-374A-A954-F456CBED3C32}" type="datetimeFigureOut">
               <a:rPr lang="en-US" smtClean="0"/>
-              <a:t>12/27/23</a:t>
+              <a:t>12/28/23</a:t>
             </a:fld>
             <a:endParaRPr lang="en-US"/>
           </a:p>
@@ -7255,58 +7255,106 @@
           <p:cNvPr id="2" name="Title 1">
             <a:extLst>
               <a:ext uri="{FF2B5EF4-FFF2-40B4-BE49-F238E27FC236}">
-                <a16:creationId xmlns:a16="http://schemas.microsoft.com/office/drawing/2014/main" id="{4D0B4C87-5BB4-1CDA-2243-02076EFFF2C7}"/>
-              </a:ext>
-            </a:extLst>
-          </p:cNvPr>
-          <p:cNvSpPr>
-            <a:spLocks noGrp="1"/>
-          </p:cNvSpPr>
-          <p:nvPr>
-            <p:ph type="ctrTitle"/>
-          </p:nvPr>
-        </p:nvSpPr>
-        <p:spPr/>
-        <p:txBody>
-          <a:bodyPr/>
-          <a:lstStyle/>
-          <a:p>
-            <a:r>
-              <a:rPr lang="en-US" dirty="0"/>
-              <a:t>INSERT: Eliana’s intro slide</a:t>
-            </a:r>
-          </a:p>
-        </p:txBody>
-      </p:sp>
-      <p:sp>
-        <p:nvSpPr>
-          <p:cNvPr id="3" name="Subtitle 2">
-            <a:extLst>
-              <a:ext uri="{FF2B5EF4-FFF2-40B4-BE49-F238E27FC236}">
-                <a16:creationId xmlns:a16="http://schemas.microsoft.com/office/drawing/2014/main" id="{222531F6-0D5A-6C26-66E6-6140E6FA8ACE}"/>
-              </a:ext>
-            </a:extLst>
-          </p:cNvPr>
-          <p:cNvSpPr>
-            <a:spLocks noGrp="1"/>
-          </p:cNvSpPr>
-          <p:nvPr>
-            <p:ph type="subTitle" idx="1"/>
-          </p:nvPr>
-        </p:nvSpPr>
-        <p:spPr/>
-        <p:txBody>
-          <a:bodyPr/>
-          <a:lstStyle/>
-          <a:p>
-            <a:endParaRPr lang="en-US"/>
+                <a16:creationId xmlns:a16="http://schemas.microsoft.com/office/drawing/2014/main" id="{41CD7E88-AD76-B409-BCD5-02E50E87A53C}"/>
+              </a:ext>
+            </a:extLst>
+          </p:cNvPr>
+          <p:cNvSpPr>
+            <a:spLocks noGrp="1"/>
+          </p:cNvSpPr>
+          <p:nvPr>
+            <p:ph type="title"/>
+          </p:nvPr>
+        </p:nvSpPr>
+        <p:spPr>
+          <a:xfrm>
+            <a:off x="836679" y="723898"/>
+            <a:ext cx="6002110" cy="1495425"/>
+          </a:xfrm>
+        </p:spPr>
+        <p:txBody>
+          <a:bodyPr>
+            <a:normAutofit/>
+          </a:bodyPr>
+          <a:lstStyle/>
+          <a:p>
+            <a:r>
+              <a:rPr lang="en-US" sz="4000" dirty="0"/>
+              <a:t>Eliana’s background</a:t>
+            </a:r>
+          </a:p>
+        </p:txBody>
+      </p:sp>
+      <p:sp>
+        <p:nvSpPr>
+          <p:cNvPr id="3" name="Content Placeholder 2">
+            <a:extLst>
+              <a:ext uri="{FF2B5EF4-FFF2-40B4-BE49-F238E27FC236}">
+                <a16:creationId xmlns:a16="http://schemas.microsoft.com/office/drawing/2014/main" id="{2945DA27-6C11-EBB3-2144-2F2E80D5F082}"/>
+              </a:ext>
+            </a:extLst>
+          </p:cNvPr>
+          <p:cNvSpPr>
+            <a:spLocks noGrp="1"/>
+          </p:cNvSpPr>
+          <p:nvPr>
+            <p:ph idx="1"/>
+          </p:nvPr>
+        </p:nvSpPr>
+        <p:spPr>
+          <a:xfrm>
+            <a:off x="836679" y="2405067"/>
+            <a:ext cx="10268643" cy="3729034"/>
+          </a:xfrm>
+        </p:spPr>
+        <p:txBody>
+          <a:bodyPr>
+            <a:normAutofit/>
+          </a:bodyPr>
+          <a:lstStyle/>
+          <a:p>
+            <a:r>
+              <a:rPr lang="en-US" sz="2000" dirty="0"/>
+              <a:t>Majored in Environmental Studies and Economics</a:t>
+            </a:r>
+          </a:p>
+          <a:p>
+            <a:r>
+              <a:rPr lang="en-US" sz="2000" dirty="0"/>
+              <a:t>Didn’t start coding till junior year of college</a:t>
+            </a:r>
+          </a:p>
+          <a:p>
+            <a:pPr lvl="1"/>
+            <a:r>
+              <a:rPr lang="en-US" sz="2000" dirty="0"/>
+              <a:t>Felt a huge barrier to entry compared to peers with programming backgrounds</a:t>
+            </a:r>
+          </a:p>
+          <a:p>
+            <a:r>
+              <a:rPr lang="en-US" sz="2000" dirty="0"/>
+              <a:t>Started with classes in R</a:t>
+            </a:r>
+          </a:p>
+          <a:p>
+            <a:r>
+              <a:rPr lang="en-US" sz="2000" dirty="0"/>
+              <a:t>Now other languages like Python and Google Earth Engine JavaScript are easy to self-learn with online resources</a:t>
+            </a:r>
+          </a:p>
+          <a:p>
+            <a:r>
+              <a:rPr lang="en-US" sz="2000" dirty="0"/>
+              <a:t>Master’s thesis: Agribusiness lobbying on Brazilian economy and public health (remotely-sensed crop data, decades of municipal election data)</a:t>
+            </a:r>
           </a:p>
         </p:txBody>
       </p:sp>
     </p:spTree>
     <p:extLst>
       <p:ext uri="{BB962C8B-B14F-4D97-AF65-F5344CB8AC3E}">
-        <p14:creationId xmlns:p14="http://schemas.microsoft.com/office/powerpoint/2010/main" val="2939511410"/>
+        <p14:creationId xmlns:p14="http://schemas.microsoft.com/office/powerpoint/2010/main" val="2892490279"/>
       </p:ext>
     </p:extLst>
   </p:cSld>

--- a/lecture_material/1_think_like_computer.pptx
+++ b/lecture_material/1_think_like_computer.pptx
@@ -16,7 +16,7 @@
     <p:sldId id="260" r:id="rId7"/>
     <p:sldId id="261" r:id="rId8"/>
     <p:sldId id="264" r:id="rId9"/>
-    <p:sldId id="265" r:id="rId10"/>
+    <p:sldId id="281" r:id="rId10"/>
     <p:sldId id="267" r:id="rId11"/>
     <p:sldId id="262" r:id="rId12"/>
     <p:sldId id="263" r:id="rId13"/>
@@ -29,7 +29,7 @@
     <p:sldId id="273" r:id="rId20"/>
     <p:sldId id="274" r:id="rId21"/>
     <p:sldId id="275" r:id="rId22"/>
-    <p:sldId id="278" r:id="rId23"/>
+    <p:sldId id="282" r:id="rId23"/>
     <p:sldId id="276" r:id="rId24"/>
     <p:sldId id="277" r:id="rId25"/>
   </p:sldIdLst>
@@ -220,7 +220,7 @@
           <a:p>
             <a:fld id="{35FF9D56-9843-D447-A2FA-830B452727C4}" type="datetimeFigureOut">
               <a:rPr lang="en-US" smtClean="0"/>
-              <a:t>12/28/23</a:t>
+              <a:t>12/29/23</a:t>
             </a:fld>
             <a:endParaRPr lang="en-US"/>
           </a:p>
@@ -574,101 +574,6 @@
 </p:notes>
 </file>
 
-<file path=ppt/notesSlides/notesSlide10.xml><?xml version="1.0" encoding="utf-8"?>
-<p:notes xmlns:a="http://schemas.openxmlformats.org/drawingml/2006/main" xmlns:r="http://schemas.openxmlformats.org/officeDocument/2006/relationships" xmlns:p="http://schemas.openxmlformats.org/presentationml/2006/main">
-  <p:cSld>
-    <p:spTree>
-      <p:nvGrpSpPr>
-        <p:cNvPr id="1" name=""/>
-        <p:cNvGrpSpPr/>
-        <p:nvPr/>
-      </p:nvGrpSpPr>
-      <p:grpSpPr>
-        <a:xfrm>
-          <a:off x="0" y="0"/>
-          <a:ext cx="0" cy="0"/>
-          <a:chOff x="0" y="0"/>
-          <a:chExt cx="0" cy="0"/>
-        </a:xfrm>
-      </p:grpSpPr>
-      <p:sp>
-        <p:nvSpPr>
-          <p:cNvPr id="2" name="Slide Image Placeholder 1"/>
-          <p:cNvSpPr>
-            <a:spLocks noGrp="1" noRot="1" noChangeAspect="1"/>
-          </p:cNvSpPr>
-          <p:nvPr>
-            <p:ph type="sldImg"/>
-          </p:nvPr>
-        </p:nvSpPr>
-        <p:spPr/>
-      </p:sp>
-      <p:sp>
-        <p:nvSpPr>
-          <p:cNvPr id="3" name="Notes Placeholder 2"/>
-          <p:cNvSpPr>
-            <a:spLocks noGrp="1"/>
-          </p:cNvSpPr>
-          <p:nvPr>
-            <p:ph type="body" idx="1"/>
-          </p:nvPr>
-        </p:nvSpPr>
-        <p:spPr/>
-        <p:txBody>
-          <a:bodyPr/>
-          <a:lstStyle/>
-          <a:p>
-            <a:r>
-              <a:rPr lang="en-US" dirty="0"/>
-              <a:t>This is really what I want you to get </a:t>
-            </a:r>
-            <a:r>
-              <a:rPr lang="en-US" dirty="0" err="1"/>
-              <a:t>outta</a:t>
-            </a:r>
-            <a:r>
-              <a:rPr lang="en-US" dirty="0"/>
-              <a:t> this: define and solution strategy </a:t>
-            </a:r>
-          </a:p>
-        </p:txBody>
-      </p:sp>
-      <p:sp>
-        <p:nvSpPr>
-          <p:cNvPr id="4" name="Slide Number Placeholder 3"/>
-          <p:cNvSpPr>
-            <a:spLocks noGrp="1"/>
-          </p:cNvSpPr>
-          <p:nvPr>
-            <p:ph type="sldNum" sz="quarter" idx="5"/>
-          </p:nvPr>
-        </p:nvSpPr>
-        <p:spPr/>
-        <p:txBody>
-          <a:bodyPr/>
-          <a:lstStyle/>
-          <a:p>
-            <a:fld id="{50E95E54-B1D1-F244-872C-1B859491FC55}" type="slidenum">
-              <a:rPr lang="en-US" smtClean="0"/>
-              <a:t>22</a:t>
-            </a:fld>
-            <a:endParaRPr lang="en-US"/>
-          </a:p>
-        </p:txBody>
-      </p:sp>
-    </p:spTree>
-    <p:extLst>
-      <p:ext uri="{BB962C8B-B14F-4D97-AF65-F5344CB8AC3E}">
-        <p14:creationId xmlns:p14="http://schemas.microsoft.com/office/powerpoint/2010/main" val="503144949"/>
-      </p:ext>
-    </p:extLst>
-  </p:cSld>
-  <p:clrMapOvr>
-    <a:masterClrMapping/>
-  </p:clrMapOvr>
-</p:notes>
-</file>
-
 <file path=ppt/notesSlides/notesSlide2.xml><?xml version="1.0" encoding="utf-8"?>
 <p:notes xmlns:a="http://schemas.openxmlformats.org/drawingml/2006/main" xmlns:r="http://schemas.openxmlformats.org/officeDocument/2006/relationships" xmlns:p="http://schemas.openxmlformats.org/presentationml/2006/main">
   <p:cSld>
@@ -803,38 +708,19 @@
             </a:pPr>
             <a:r>
               <a:rPr lang="en-US" dirty="0"/>
-              <a:t>This workshop is focused on coding with programming languages</a:t>
-            </a:r>
-          </a:p>
-          <a:p>
-            <a:pPr marL="171450" indent="-171450">
-              <a:buFont typeface="Arial" panose="020B0604020202020204" pitchFamily="34" charset="0"/>
-              <a:buChar char="•"/>
-            </a:pPr>
-            <a:r>
-              <a:rPr lang="en-US" dirty="0"/>
-              <a:t>We’ve all used software</a:t>
-            </a:r>
-          </a:p>
-          <a:p>
-            <a:pPr marL="171450" indent="-171450">
-              <a:buFont typeface="Arial" panose="020B0604020202020204" pitchFamily="34" charset="0"/>
-              <a:buChar char="•"/>
-            </a:pPr>
-            <a:r>
-              <a:rPr lang="en-US" dirty="0"/>
-              <a:t>Very few of us will use machine and assembly languages (I don’t) </a:t>
-            </a:r>
-          </a:p>
-          <a:p>
-            <a:pPr marL="171450" indent="-171450">
-              <a:buFont typeface="Arial" panose="020B0604020202020204" pitchFamily="34" charset="0"/>
-              <a:buChar char="•"/>
-            </a:pPr>
-            <a:r>
-              <a:rPr lang="en-US" dirty="0"/>
-              <a:t>To program and code successfully you need to know how to think like a computer </a:t>
-            </a:r>
+              <a:t>IDE: </a:t>
+            </a:r>
+            <a:r>
+              <a:rPr lang="en-US" b="0" i="0" dirty="0">
+                <a:solidFill>
+                  <a:srgbClr val="374151"/>
+                </a:solidFill>
+                <a:effectLst/>
+                <a:latin typeface="Söhne"/>
+              </a:rPr>
+              <a:t>integrated development environment </a:t>
+            </a:r>
+            <a:endParaRPr lang="en-US" dirty="0"/>
           </a:p>
         </p:txBody>
       </p:sp>
@@ -855,7 +741,7 @@
           <a:p>
             <a:fld id="{50E95E54-B1D1-F244-872C-1B859491FC55}" type="slidenum">
               <a:rPr lang="en-US" smtClean="0"/>
-              <a:t>9</a:t>
+              <a:t>10</a:t>
             </a:fld>
             <a:endParaRPr lang="en-US"/>
           </a:p>
@@ -864,7 +750,7 @@
     </p:spTree>
     <p:extLst>
       <p:ext uri="{BB962C8B-B14F-4D97-AF65-F5344CB8AC3E}">
-        <p14:creationId xmlns:p14="http://schemas.microsoft.com/office/powerpoint/2010/main" val="231939974"/>
+        <p14:creationId xmlns:p14="http://schemas.microsoft.com/office/powerpoint/2010/main" val="3436309473"/>
       </p:ext>
     </p:extLst>
   </p:cSld>
@@ -924,19 +810,18 @@
             </a:pPr>
             <a:r>
               <a:rPr lang="en-US" dirty="0"/>
-              <a:t>IDE: </a:t>
-            </a:r>
-            <a:r>
-              <a:rPr lang="en-US" b="0" i="0" dirty="0">
-                <a:solidFill>
-                  <a:srgbClr val="374151"/>
-                </a:solidFill>
-                <a:effectLst/>
-                <a:latin typeface="Söhne"/>
-              </a:rPr>
-              <a:t>integrated development environment </a:t>
-            </a:r>
-            <a:endParaRPr lang="en-US" dirty="0"/>
+              <a:t>Lets back out</a:t>
+            </a:r>
+          </a:p>
+          <a:p>
+            <a:pPr marL="171450" indent="-171450">
+              <a:buFont typeface="Arial" panose="020B0604020202020204" pitchFamily="34" charset="0"/>
+              <a:buChar char="•"/>
+            </a:pPr>
+            <a:r>
+              <a:rPr lang="en-US" dirty="0"/>
+              <a:t>Why is it important to think like a computer (more than coding) </a:t>
+            </a:r>
           </a:p>
         </p:txBody>
       </p:sp>
@@ -957,7 +842,7 @@
           <a:p>
             <a:fld id="{50E95E54-B1D1-F244-872C-1B859491FC55}" type="slidenum">
               <a:rPr lang="en-US" smtClean="0"/>
-              <a:t>10</a:t>
+              <a:t>11</a:t>
             </a:fld>
             <a:endParaRPr lang="en-US"/>
           </a:p>
@@ -966,7 +851,7 @@
     </p:spTree>
     <p:extLst>
       <p:ext uri="{BB962C8B-B14F-4D97-AF65-F5344CB8AC3E}">
-        <p14:creationId xmlns:p14="http://schemas.microsoft.com/office/powerpoint/2010/main" val="3436309473"/>
+        <p14:creationId xmlns:p14="http://schemas.microsoft.com/office/powerpoint/2010/main" val="1842033855"/>
       </p:ext>
     </p:extLst>
   </p:cSld>
@@ -1026,7 +911,7 @@
             </a:pPr>
             <a:r>
               <a:rPr lang="en-US" dirty="0"/>
-              <a:t>Lets back out</a:t>
+              <a:t>Now lets zoom in, why is it worth learning how to code?</a:t>
             </a:r>
           </a:p>
           <a:p>
@@ -1036,7 +921,7 @@
             </a:pPr>
             <a:r>
               <a:rPr lang="en-US" dirty="0"/>
-              <a:t>Why is it important to think like a computer (more than coding) </a:t>
+              <a:t>Varies wildly, but on average, people who code make 20-30% more which is something like 10-20k more per year </a:t>
             </a:r>
           </a:p>
         </p:txBody>
@@ -1058,7 +943,7 @@
           <a:p>
             <a:fld id="{50E95E54-B1D1-F244-872C-1B859491FC55}" type="slidenum">
               <a:rPr lang="en-US" smtClean="0"/>
-              <a:t>11</a:t>
+              <a:t>12</a:t>
             </a:fld>
             <a:endParaRPr lang="en-US"/>
           </a:p>
@@ -1067,7 +952,7 @@
     </p:spTree>
     <p:extLst>
       <p:ext uri="{BB962C8B-B14F-4D97-AF65-F5344CB8AC3E}">
-        <p14:creationId xmlns:p14="http://schemas.microsoft.com/office/powerpoint/2010/main" val="1842033855"/>
+        <p14:creationId xmlns:p14="http://schemas.microsoft.com/office/powerpoint/2010/main" val="2076897220"/>
       </p:ext>
     </p:extLst>
   </p:cSld>
@@ -1121,24 +1006,16 @@
           <a:bodyPr/>
           <a:lstStyle/>
           <a:p>
-            <a:pPr marL="171450" indent="-171450">
-              <a:buFont typeface="Arial" panose="020B0604020202020204" pitchFamily="34" charset="0"/>
-              <a:buChar char="•"/>
-            </a:pPr>
-            <a:r>
-              <a:rPr lang="en-US" dirty="0"/>
-              <a:t>Now lets zoom in, why is it worth learning how to code?</a:t>
-            </a:r>
-          </a:p>
-          <a:p>
-            <a:pPr marL="171450" indent="-171450">
-              <a:buFont typeface="Arial" panose="020B0604020202020204" pitchFamily="34" charset="0"/>
-              <a:buChar char="•"/>
-            </a:pPr>
-            <a:r>
-              <a:rPr lang="en-US" dirty="0"/>
-              <a:t>Varies wildly, but on average, people who code make 20-30% more which is something like 10-20k more per year </a:t>
-            </a:r>
+            <a:r>
+              <a:rPr lang="en-US" dirty="0"/>
+              <a:t>This if else is very elegant</a:t>
+            </a:r>
+          </a:p>
+          <a:p>
+            <a:endParaRPr lang="en-US" dirty="0"/>
+          </a:p>
+          <a:p>
+            <a:endParaRPr lang="en-US" dirty="0"/>
           </a:p>
         </p:txBody>
       </p:sp>
@@ -1159,7 +1036,7 @@
           <a:p>
             <a:fld id="{50E95E54-B1D1-F244-872C-1B859491FC55}" type="slidenum">
               <a:rPr lang="en-US" smtClean="0"/>
-              <a:t>12</a:t>
+              <a:t>19</a:t>
             </a:fld>
             <a:endParaRPr lang="en-US"/>
           </a:p>
@@ -1168,7 +1045,7 @@
     </p:spTree>
     <p:extLst>
       <p:ext uri="{BB962C8B-B14F-4D97-AF65-F5344CB8AC3E}">
-        <p14:creationId xmlns:p14="http://schemas.microsoft.com/office/powerpoint/2010/main" val="2076897220"/>
+        <p14:creationId xmlns:p14="http://schemas.microsoft.com/office/powerpoint/2010/main" val="4048109156"/>
       </p:ext>
     </p:extLst>
   </p:cSld>
@@ -1222,16 +1099,86 @@
           <a:bodyPr/>
           <a:lstStyle/>
           <a:p>
-            <a:r>
-              <a:rPr lang="en-US" dirty="0"/>
-              <a:t>This if else is very elegant</a:t>
-            </a:r>
-          </a:p>
-          <a:p>
-            <a:endParaRPr lang="en-US" dirty="0"/>
-          </a:p>
-          <a:p>
-            <a:endParaRPr lang="en-US" dirty="0"/>
+            <a:pPr marL="171450" indent="-171450">
+              <a:buFont typeface="Arial" panose="020B0604020202020204" pitchFamily="34" charset="0"/>
+              <a:buChar char="•"/>
+            </a:pPr>
+            <a:r>
+              <a:rPr lang="en-US" dirty="0"/>
+              <a:t>If </a:t>
+            </a:r>
+            <a:r>
+              <a:rPr lang="en-US" dirty="0" err="1"/>
+              <a:t>i</a:t>
+            </a:r>
+            <a:r>
+              <a:rPr lang="en-US" dirty="0"/>
+              <a:t> told you the C choice and person choice, you should be tell what happens here </a:t>
+            </a:r>
+          </a:p>
+          <a:p>
+            <a:pPr marL="171450" indent="-171450">
+              <a:buFont typeface="Arial" panose="020B0604020202020204" pitchFamily="34" charset="0"/>
+              <a:buChar char="•"/>
+            </a:pPr>
+            <a:r>
+              <a:rPr lang="en-US" dirty="0"/>
+              <a:t>Things to highlight in this </a:t>
+            </a:r>
+          </a:p>
+          <a:p>
+            <a:pPr marL="628650" lvl="1" indent="-171450">
+              <a:buFont typeface="Arial" panose="020B0604020202020204" pitchFamily="34" charset="0"/>
+              <a:buChar char="•"/>
+            </a:pPr>
+            <a:r>
+              <a:rPr lang="en-US" dirty="0"/>
+              <a:t>Function </a:t>
+            </a:r>
+          </a:p>
+          <a:p>
+            <a:pPr marL="628650" lvl="1" indent="-171450">
+              <a:buFont typeface="Arial" panose="020B0604020202020204" pitchFamily="34" charset="0"/>
+              <a:buChar char="•"/>
+            </a:pPr>
+            <a:r>
+              <a:rPr lang="en-US" dirty="0" err="1"/>
+              <a:t>If_case</a:t>
+            </a:r>
+            <a:r>
+              <a:rPr lang="en-US" dirty="0"/>
+              <a:t> cases </a:t>
+            </a:r>
+          </a:p>
+          <a:p>
+            <a:pPr marL="628650" lvl="1" indent="-171450">
+              <a:buFont typeface="Arial" panose="020B0604020202020204" pitchFamily="34" charset="0"/>
+              <a:buChar char="•"/>
+            </a:pPr>
+            <a:r>
+              <a:rPr lang="en-US" dirty="0"/>
+              <a:t>Boolean comparison </a:t>
+            </a:r>
+          </a:p>
+          <a:p>
+            <a:pPr marL="628650" lvl="1" indent="-171450">
+              <a:buFont typeface="Arial" panose="020B0604020202020204" pitchFamily="34" charset="0"/>
+              <a:buChar char="•"/>
+            </a:pPr>
+            <a:r>
+              <a:rPr lang="en-US" dirty="0"/>
+              <a:t>Loop </a:t>
+            </a:r>
+          </a:p>
+          <a:p>
+            <a:pPr marL="628650" lvl="1" indent="-171450">
+              <a:buFont typeface="Arial" panose="020B0604020202020204" pitchFamily="34" charset="0"/>
+              <a:buChar char="•"/>
+            </a:pPr>
+            <a:r>
+              <a:rPr lang="en-US" dirty="0"/>
+              <a:t>Storing a result </a:t>
+            </a:r>
           </a:p>
         </p:txBody>
       </p:sp>
@@ -1252,7 +1199,7 @@
           <a:p>
             <a:fld id="{50E95E54-B1D1-F244-872C-1B859491FC55}" type="slidenum">
               <a:rPr lang="en-US" smtClean="0"/>
-              <a:t>19</a:t>
+              <a:t>20</a:t>
             </a:fld>
             <a:endParaRPr lang="en-US"/>
           </a:p>
@@ -1261,7 +1208,7 @@
     </p:spTree>
     <p:extLst>
       <p:ext uri="{BB962C8B-B14F-4D97-AF65-F5344CB8AC3E}">
-        <p14:creationId xmlns:p14="http://schemas.microsoft.com/office/powerpoint/2010/main" val="4048109156"/>
+        <p14:creationId xmlns:p14="http://schemas.microsoft.com/office/powerpoint/2010/main" val="1792020151"/>
       </p:ext>
     </p:extLst>
   </p:cSld>
@@ -1320,16 +1267,20 @@
               <a:buChar char="•"/>
             </a:pPr>
             <a:r>
-              <a:rPr lang="en-US" dirty="0"/>
-              <a:t>If </a:t>
-            </a:r>
-            <a:r>
               <a:rPr lang="en-US" dirty="0" err="1"/>
-              <a:t>i</a:t>
-            </a:r>
-            <a:r>
-              <a:rPr lang="en-US" dirty="0"/>
-              <a:t> told you the C choice and person choice, you should be tell what happens here </a:t>
+              <a:t>Youll</a:t>
+            </a:r>
+            <a:r>
+              <a:rPr lang="en-US" dirty="0"/>
+              <a:t> see me constantly googling, looking up documentation and asking chat </a:t>
+            </a:r>
+            <a:r>
+              <a:rPr lang="en-US" dirty="0" err="1"/>
+              <a:t>gpt</a:t>
+            </a:r>
+            <a:r>
+              <a:rPr lang="en-US" dirty="0"/>
+              <a:t> questions </a:t>
             </a:r>
           </a:p>
           <a:p>
@@ -1339,62 +1290,45 @@
             </a:pPr>
             <a:r>
               <a:rPr lang="en-US" dirty="0"/>
-              <a:t>Things to highlight in this </a:t>
-            </a:r>
-          </a:p>
-          <a:p>
-            <a:pPr marL="628650" lvl="1" indent="-171450">
+              <a:t>But to actually get anywhere, I need to be able to define the problem and a solution strategy</a:t>
+            </a:r>
+          </a:p>
+          <a:p>
+            <a:pPr marL="171450" indent="-171450">
               <a:buFont typeface="Arial" panose="020B0604020202020204" pitchFamily="34" charset="0"/>
               <a:buChar char="•"/>
             </a:pPr>
             <a:r>
               <a:rPr lang="en-US" dirty="0"/>
-              <a:t>Function </a:t>
-            </a:r>
-          </a:p>
-          <a:p>
-            <a:pPr marL="628650" lvl="1" indent="-171450">
-              <a:buFont typeface="Arial" panose="020B0604020202020204" pitchFamily="34" charset="0"/>
-              <a:buChar char="•"/>
-            </a:pPr>
+              <a:t>Like I said at beginning, knowing the basics of programming will help you know how to </a:t>
+            </a:r>
             <a:r>
               <a:rPr lang="en-US" dirty="0" err="1"/>
-              <a:t>If_case</a:t>
-            </a:r>
-            <a:r>
-              <a:rPr lang="en-US" dirty="0"/>
-              <a:t> cases </a:t>
-            </a:r>
-          </a:p>
-          <a:p>
-            <a:pPr marL="628650" lvl="1" indent="-171450">
-              <a:buFont typeface="Arial" panose="020B0604020202020204" pitchFamily="34" charset="0"/>
-              <a:buChar char="•"/>
-            </a:pPr>
-            <a:r>
-              <a:rPr lang="en-US" dirty="0"/>
-              <a:t>Boolean comparison </a:t>
-            </a:r>
-          </a:p>
-          <a:p>
-            <a:pPr marL="628650" lvl="1" indent="-171450">
-              <a:buFont typeface="Arial" panose="020B0604020202020204" pitchFamily="34" charset="0"/>
-              <a:buChar char="•"/>
-            </a:pPr>
-            <a:r>
-              <a:rPr lang="en-US" dirty="0"/>
-              <a:t>Loop </a:t>
-            </a:r>
-          </a:p>
-          <a:p>
-            <a:pPr marL="628650" lvl="1" indent="-171450">
-              <a:buFont typeface="Arial" panose="020B0604020202020204" pitchFamily="34" charset="0"/>
-              <a:buChar char="•"/>
-            </a:pPr>
-            <a:r>
-              <a:rPr lang="en-US" dirty="0"/>
-              <a:t>Storing a result </a:t>
-            </a:r>
+              <a:t>creat</a:t>
+            </a:r>
+            <a:r>
+              <a:rPr lang="en-US" dirty="0"/>
+              <a:t> solution strategy </a:t>
+            </a:r>
+            <a:r>
+              <a:rPr lang="en-US" dirty="0" err="1"/>
+              <a:t>bc</a:t>
+            </a:r>
+            <a:r>
+              <a:rPr lang="en-US" dirty="0"/>
+              <a:t> </a:t>
+            </a:r>
+            <a:r>
+              <a:rPr lang="en-US" dirty="0" err="1"/>
+              <a:t>youll</a:t>
+            </a:r>
+            <a:r>
+              <a:rPr lang="en-US" dirty="0"/>
+              <a:t> have practiced </a:t>
+            </a:r>
+          </a:p>
+          <a:p>
+            <a:endParaRPr lang="en-US" dirty="0"/>
           </a:p>
         </p:txBody>
       </p:sp>
@@ -1415,7 +1349,7 @@
           <a:p>
             <a:fld id="{50E95E54-B1D1-F244-872C-1B859491FC55}" type="slidenum">
               <a:rPr lang="en-US" smtClean="0"/>
-              <a:t>20</a:t>
+              <a:t>21</a:t>
             </a:fld>
             <a:endParaRPr lang="en-US"/>
           </a:p>
@@ -1424,7 +1358,7 @@
     </p:spTree>
     <p:extLst>
       <p:ext uri="{BB962C8B-B14F-4D97-AF65-F5344CB8AC3E}">
-        <p14:creationId xmlns:p14="http://schemas.microsoft.com/office/powerpoint/2010/main" val="1792020151"/>
+        <p14:creationId xmlns:p14="http://schemas.microsoft.com/office/powerpoint/2010/main" val="588423365"/>
       </p:ext>
     </p:extLst>
   </p:cSld>
@@ -1565,7 +1499,7 @@
           <a:p>
             <a:fld id="{50E95E54-B1D1-F244-872C-1B859491FC55}" type="slidenum">
               <a:rPr lang="en-US" smtClean="0"/>
-              <a:t>21</a:t>
+              <a:t>22</a:t>
             </a:fld>
             <a:endParaRPr lang="en-US"/>
           </a:p>
@@ -1574,7 +1508,7 @@
     </p:spTree>
     <p:extLst>
       <p:ext uri="{BB962C8B-B14F-4D97-AF65-F5344CB8AC3E}">
-        <p14:creationId xmlns:p14="http://schemas.microsoft.com/office/powerpoint/2010/main" val="588423365"/>
+        <p14:creationId xmlns:p14="http://schemas.microsoft.com/office/powerpoint/2010/main" val="831360897"/>
       </p:ext>
     </p:extLst>
   </p:cSld>
@@ -1731,7 +1665,7 @@
           <a:p>
             <a:fld id="{48B61B05-3ABA-374A-A954-F456CBED3C32}" type="datetimeFigureOut">
               <a:rPr lang="en-US" smtClean="0"/>
-              <a:t>12/28/23</a:t>
+              <a:t>12/29/23</a:t>
             </a:fld>
             <a:endParaRPr lang="en-US"/>
           </a:p>
@@ -1929,7 +1863,7 @@
           <a:p>
             <a:fld id="{48B61B05-3ABA-374A-A954-F456CBED3C32}" type="datetimeFigureOut">
               <a:rPr lang="en-US" smtClean="0"/>
-              <a:t>12/28/23</a:t>
+              <a:t>12/29/23</a:t>
             </a:fld>
             <a:endParaRPr lang="en-US"/>
           </a:p>
@@ -2137,7 +2071,7 @@
           <a:p>
             <a:fld id="{48B61B05-3ABA-374A-A954-F456CBED3C32}" type="datetimeFigureOut">
               <a:rPr lang="en-US" smtClean="0"/>
-              <a:t>12/28/23</a:t>
+              <a:t>12/29/23</a:t>
             </a:fld>
             <a:endParaRPr lang="en-US"/>
           </a:p>
@@ -2335,7 +2269,7 @@
           <a:p>
             <a:fld id="{48B61B05-3ABA-374A-A954-F456CBED3C32}" type="datetimeFigureOut">
               <a:rPr lang="en-US" smtClean="0"/>
-              <a:t>12/28/23</a:t>
+              <a:t>12/29/23</a:t>
             </a:fld>
             <a:endParaRPr lang="en-US"/>
           </a:p>
@@ -2610,7 +2544,7 @@
           <a:p>
             <a:fld id="{48B61B05-3ABA-374A-A954-F456CBED3C32}" type="datetimeFigureOut">
               <a:rPr lang="en-US" smtClean="0"/>
-              <a:t>12/28/23</a:t>
+              <a:t>12/29/23</a:t>
             </a:fld>
             <a:endParaRPr lang="en-US"/>
           </a:p>
@@ -2875,7 +2809,7 @@
           <a:p>
             <a:fld id="{48B61B05-3ABA-374A-A954-F456CBED3C32}" type="datetimeFigureOut">
               <a:rPr lang="en-US" smtClean="0"/>
-              <a:t>12/28/23</a:t>
+              <a:t>12/29/23</a:t>
             </a:fld>
             <a:endParaRPr lang="en-US"/>
           </a:p>
@@ -3287,7 +3221,7 @@
           <a:p>
             <a:fld id="{48B61B05-3ABA-374A-A954-F456CBED3C32}" type="datetimeFigureOut">
               <a:rPr lang="en-US" smtClean="0"/>
-              <a:t>12/28/23</a:t>
+              <a:t>12/29/23</a:t>
             </a:fld>
             <a:endParaRPr lang="en-US"/>
           </a:p>
@@ -3428,7 +3362,7 @@
           <a:p>
             <a:fld id="{48B61B05-3ABA-374A-A954-F456CBED3C32}" type="datetimeFigureOut">
               <a:rPr lang="en-US" smtClean="0"/>
-              <a:t>12/28/23</a:t>
+              <a:t>12/29/23</a:t>
             </a:fld>
             <a:endParaRPr lang="en-US"/>
           </a:p>
@@ -3541,7 +3475,7 @@
           <a:p>
             <a:fld id="{48B61B05-3ABA-374A-A954-F456CBED3C32}" type="datetimeFigureOut">
               <a:rPr lang="en-US" smtClean="0"/>
-              <a:t>12/28/23</a:t>
+              <a:t>12/29/23</a:t>
             </a:fld>
             <a:endParaRPr lang="en-US"/>
           </a:p>
@@ -3852,7 +3786,7 @@
           <a:p>
             <a:fld id="{48B61B05-3ABA-374A-A954-F456CBED3C32}" type="datetimeFigureOut">
               <a:rPr lang="en-US" smtClean="0"/>
-              <a:t>12/28/23</a:t>
+              <a:t>12/29/23</a:t>
             </a:fld>
             <a:endParaRPr lang="en-US"/>
           </a:p>
@@ -4140,7 +4074,7 @@
           <a:p>
             <a:fld id="{48B61B05-3ABA-374A-A954-F456CBED3C32}" type="datetimeFigureOut">
               <a:rPr lang="en-US" smtClean="0"/>
-              <a:t>12/28/23</a:t>
+              <a:t>12/29/23</a:t>
             </a:fld>
             <a:endParaRPr lang="en-US"/>
           </a:p>
@@ -4381,7 +4315,7 @@
           <a:p>
             <a:fld id="{48B61B05-3ABA-374A-A954-F456CBED3C32}" type="datetimeFigureOut">
               <a:rPr lang="en-US" smtClean="0"/>
-              <a:t>12/28/23</a:t>
+              <a:t>12/29/23</a:t>
             </a:fld>
             <a:endParaRPr lang="en-US"/>
           </a:p>
@@ -4933,7 +4867,7 @@
           <a:p>
             <a:r>
               <a:rPr lang="en-US" dirty="0"/>
-              <a:t>Some language</a:t>
+              <a:t>Some definitions</a:t>
             </a:r>
           </a:p>
         </p:txBody>
@@ -5168,7 +5102,7 @@
           <a:p>
             <a:r>
               <a:rPr lang="en-US" dirty="0"/>
-              <a:t>Solutions to big “problems”</a:t>
+              <a:t>Solutions to “problems”</a:t>
             </a:r>
           </a:p>
           <a:p>
@@ -6674,20 +6608,20 @@
             <a:pPr lvl="1"/>
             <a:r>
               <a:rPr lang="en-US" dirty="0"/>
-              <a:t>Solving harder and harder problem</a:t>
-            </a:r>
-          </a:p>
-          <a:p>
-            <a:r>
-              <a:rPr lang="en-US" dirty="0"/>
-              <a:t>Documentation, Google, Stack Overflow and ChatGPT can help you from there</a:t>
+              <a:t>Solving harder and harder problems</a:t>
+            </a:r>
+          </a:p>
+          <a:p>
+            <a:r>
+              <a:rPr lang="en-US" dirty="0"/>
+              <a:t>Documentation, Google, Stack Overflow, and ChatGPT can help you from there</a:t>
             </a:r>
           </a:p>
           <a:p>
             <a:pPr lvl="1"/>
             <a:r>
               <a:rPr lang="en-US" dirty="0"/>
-              <a:t>But if you don’t know how to define and solve problems, you won’t be bale to take full advantage of these aids</a:t>
+              <a:t>But if you don’t know how to define and solve problems, you won’t be able to take full advantage of these aids</a:t>
             </a:r>
           </a:p>
           <a:p>
@@ -6814,13 +6748,13 @@
             <a:pPr lvl="1"/>
             <a:r>
               <a:rPr lang="en-US" dirty="0"/>
-              <a:t>Solving harder and harder problem</a:t>
-            </a:r>
-          </a:p>
-          <a:p>
-            <a:r>
-              <a:rPr lang="en-US" dirty="0"/>
-              <a:t>Documentation, Google, Stack Overflow and ChatGPT can help you from there</a:t>
+              <a:t>Solving harder and harder problems</a:t>
+            </a:r>
+          </a:p>
+          <a:p>
+            <a:r>
+              <a:rPr lang="en-US" dirty="0"/>
+              <a:t>Documentation, Google, Stack Overflow, and ChatGPT can help you from there</a:t>
             </a:r>
           </a:p>
           <a:p>
@@ -6839,7 +6773,7 @@
             </a:r>
             <a:r>
               <a:rPr lang="en-US" dirty="0"/>
-              <a:t>, you won’t be bale to take full advantage of these aids</a:t>
+              <a:t>, you won’t be able to take full advantage of these aids</a:t>
             </a:r>
           </a:p>
           <a:p>
@@ -6853,7 +6787,7 @@
     </p:spTree>
     <p:extLst>
       <p:ext uri="{BB962C8B-B14F-4D97-AF65-F5344CB8AC3E}">
-        <p14:creationId xmlns:p14="http://schemas.microsoft.com/office/powerpoint/2010/main" val="4057843402"/>
+        <p14:creationId xmlns:p14="http://schemas.microsoft.com/office/powerpoint/2010/main" val="4116253758"/>
       </p:ext>
     </p:extLst>
   </p:cSld>
@@ -8067,7 +8001,7 @@
             </a:pPr>
             <a:r>
               <a:rPr lang="en-US" dirty="0"/>
-              <a:t>Machine and Assembly languages – idk what this really is, but think it translates code we write to 0s and 1s </a:t>
+              <a:t>Machine and Assembly languages – idk what this really is, but pretty sure it translates our code to 0s and 1s </a:t>
             </a:r>
           </a:p>
           <a:p>
@@ -8077,7 +8011,7 @@
             </a:pPr>
             <a:r>
               <a:rPr lang="en-US" b="1" dirty="0"/>
-              <a:t>Coding languages – R, Python, C, Java </a:t>
+              <a:t>Programming languages – R, Python, C, Java </a:t>
             </a:r>
           </a:p>
           <a:p>
@@ -8108,7 +8042,7 @@
     </p:spTree>
     <p:extLst>
       <p:ext uri="{BB962C8B-B14F-4D97-AF65-F5344CB8AC3E}">
-        <p14:creationId xmlns:p14="http://schemas.microsoft.com/office/powerpoint/2010/main" val="1023434473"/>
+        <p14:creationId xmlns:p14="http://schemas.microsoft.com/office/powerpoint/2010/main" val="3445036705"/>
       </p:ext>
     </p:extLst>
   </p:cSld>

--- a/lecture_material/1_think_like_computer.pptx
+++ b/lecture_material/1_think_like_computer.pptx
@@ -5,7 +5,7 @@
     <p:sldMasterId id="2147483648" r:id="rId1"/>
   </p:sldMasterIdLst>
   <p:notesMasterIdLst>
-    <p:notesMasterId r:id="rId27"/>
+    <p:notesMasterId r:id="rId28"/>
   </p:notesMasterIdLst>
   <p:sldIdLst>
     <p:sldId id="256" r:id="rId2"/>
@@ -13,26 +13,27 @@
     <p:sldId id="258" r:id="rId4"/>
     <p:sldId id="280" r:id="rId5"/>
     <p:sldId id="259" r:id="rId6"/>
-    <p:sldId id="260" r:id="rId7"/>
-    <p:sldId id="283" r:id="rId8"/>
-    <p:sldId id="261" r:id="rId9"/>
-    <p:sldId id="264" r:id="rId10"/>
-    <p:sldId id="284" r:id="rId11"/>
-    <p:sldId id="267" r:id="rId12"/>
-    <p:sldId id="262" r:id="rId13"/>
-    <p:sldId id="263" r:id="rId14"/>
-    <p:sldId id="266" r:id="rId15"/>
-    <p:sldId id="268" r:id="rId16"/>
-    <p:sldId id="285" r:id="rId17"/>
-    <p:sldId id="286" r:id="rId18"/>
-    <p:sldId id="287" r:id="rId19"/>
-    <p:sldId id="272" r:id="rId20"/>
-    <p:sldId id="273" r:id="rId21"/>
-    <p:sldId id="274" r:id="rId22"/>
-    <p:sldId id="275" r:id="rId23"/>
-    <p:sldId id="282" r:id="rId24"/>
-    <p:sldId id="276" r:id="rId25"/>
-    <p:sldId id="277" r:id="rId26"/>
+    <p:sldId id="288" r:id="rId7"/>
+    <p:sldId id="260" r:id="rId8"/>
+    <p:sldId id="283" r:id="rId9"/>
+    <p:sldId id="261" r:id="rId10"/>
+    <p:sldId id="264" r:id="rId11"/>
+    <p:sldId id="284" r:id="rId12"/>
+    <p:sldId id="267" r:id="rId13"/>
+    <p:sldId id="262" r:id="rId14"/>
+    <p:sldId id="263" r:id="rId15"/>
+    <p:sldId id="266" r:id="rId16"/>
+    <p:sldId id="268" r:id="rId17"/>
+    <p:sldId id="285" r:id="rId18"/>
+    <p:sldId id="286" r:id="rId19"/>
+    <p:sldId id="287" r:id="rId20"/>
+    <p:sldId id="272" r:id="rId21"/>
+    <p:sldId id="273" r:id="rId22"/>
+    <p:sldId id="274" r:id="rId23"/>
+    <p:sldId id="275" r:id="rId24"/>
+    <p:sldId id="282" r:id="rId25"/>
+    <p:sldId id="276" r:id="rId26"/>
+    <p:sldId id="277" r:id="rId27"/>
   </p:sldIdLst>
   <p:sldSz cx="12192000" cy="6858000"/>
   <p:notesSz cx="6858000" cy="9144000"/>
@@ -6034,7 +6035,7 @@
           <a:p>
             <a:fld id="{35FF9D56-9843-D447-A2FA-830B452727C4}" type="datetimeFigureOut">
               <a:rPr lang="en-US" smtClean="0"/>
-              <a:t>1/9/24</a:t>
+              <a:t>1/10/24</a:t>
             </a:fld>
             <a:endParaRPr lang="en-US"/>
           </a:p>
@@ -6454,20 +6455,16 @@
               <a:buChar char="•"/>
             </a:pPr>
             <a:r>
+              <a:rPr lang="en-US" dirty="0"/>
+              <a:t>If </a:t>
+            </a:r>
+            <a:r>
               <a:rPr lang="en-US" dirty="0" err="1"/>
-              <a:t>Youll</a:t>
+              <a:t>i</a:t>
             </a:r>
             <a:r>
               <a:rPr lang="en-US" dirty="0"/>
-              <a:t> see me constantly googling, looking up documentation and asking chat </a:t>
-            </a:r>
-            <a:r>
-              <a:rPr lang="en-US" dirty="0" err="1"/>
-              <a:t>gpt</a:t>
-            </a:r>
-            <a:r>
-              <a:rPr lang="en-US" dirty="0"/>
-              <a:t> questions </a:t>
+              <a:t> told you the C choice and person choice, you should be tell what happens here </a:t>
             </a:r>
           </a:p>
           <a:p>
@@ -6477,15 +6474,182 @@
             </a:pPr>
             <a:r>
               <a:rPr lang="en-US" dirty="0"/>
-              <a:t>But to actually get anywhere, I need to be able to define the problem and a solution strategy</a:t>
-            </a:r>
-          </a:p>
+              <a:t>Things to highlight in this </a:t>
+            </a:r>
+          </a:p>
+          <a:p>
+            <a:pPr marL="628650" lvl="1" indent="-171450">
+              <a:buFont typeface="Arial" panose="020B0604020202020204" pitchFamily="34" charset="0"/>
+              <a:buChar char="•"/>
+            </a:pPr>
+            <a:r>
+              <a:rPr lang="en-US" dirty="0"/>
+              <a:t>Function </a:t>
+            </a:r>
+          </a:p>
+          <a:p>
+            <a:pPr marL="628650" lvl="1" indent="-171450">
+              <a:buFont typeface="Arial" panose="020B0604020202020204" pitchFamily="34" charset="0"/>
+              <a:buChar char="•"/>
+            </a:pPr>
+            <a:r>
+              <a:rPr lang="en-US" dirty="0" err="1"/>
+              <a:t>If_case</a:t>
+            </a:r>
+            <a:r>
+              <a:rPr lang="en-US" dirty="0"/>
+              <a:t> cases </a:t>
+            </a:r>
+          </a:p>
+          <a:p>
+            <a:pPr marL="628650" lvl="1" indent="-171450">
+              <a:buFont typeface="Arial" panose="020B0604020202020204" pitchFamily="34" charset="0"/>
+              <a:buChar char="•"/>
+            </a:pPr>
+            <a:r>
+              <a:rPr lang="en-US" dirty="0"/>
+              <a:t>Boolean comparison </a:t>
+            </a:r>
+          </a:p>
+          <a:p>
+            <a:pPr marL="628650" lvl="1" indent="-171450">
+              <a:buFont typeface="Arial" panose="020B0604020202020204" pitchFamily="34" charset="0"/>
+              <a:buChar char="•"/>
+            </a:pPr>
+            <a:r>
+              <a:rPr lang="en-US" dirty="0"/>
+              <a:t>Loop </a:t>
+            </a:r>
+          </a:p>
+          <a:p>
+            <a:pPr marL="628650" lvl="1" indent="-171450">
+              <a:buFont typeface="Arial" panose="020B0604020202020204" pitchFamily="34" charset="0"/>
+              <a:buChar char="•"/>
+            </a:pPr>
+            <a:r>
+              <a:rPr lang="en-US" dirty="0"/>
+              <a:t>Storing a result </a:t>
+            </a:r>
+          </a:p>
+        </p:txBody>
+      </p:sp>
+      <p:sp>
+        <p:nvSpPr>
+          <p:cNvPr id="4" name="Slide Number Placeholder 3"/>
+          <p:cNvSpPr>
+            <a:spLocks noGrp="1"/>
+          </p:cNvSpPr>
+          <p:nvPr>
+            <p:ph type="sldNum" sz="quarter" idx="5"/>
+          </p:nvPr>
+        </p:nvSpPr>
+        <p:spPr/>
+        <p:txBody>
+          <a:bodyPr/>
+          <a:lstStyle/>
+          <a:p>
+            <a:fld id="{50E95E54-B1D1-F244-872C-1B859491FC55}" type="slidenum">
+              <a:rPr lang="en-US" smtClean="0"/>
+              <a:t>22</a:t>
+            </a:fld>
+            <a:endParaRPr lang="en-US"/>
+          </a:p>
+        </p:txBody>
+      </p:sp>
+    </p:spTree>
+    <p:extLst>
+      <p:ext uri="{BB962C8B-B14F-4D97-AF65-F5344CB8AC3E}">
+        <p14:creationId xmlns:p14="http://schemas.microsoft.com/office/powerpoint/2010/main" val="1792020151"/>
+      </p:ext>
+    </p:extLst>
+  </p:cSld>
+  <p:clrMapOvr>
+    <a:masterClrMapping/>
+  </p:clrMapOvr>
+</p:notes>
+</file>
+
+<file path=ppt/notesSlides/notesSlide11.xml><?xml version="1.0" encoding="utf-8"?>
+<p:notes xmlns:a="http://schemas.openxmlformats.org/drawingml/2006/main" xmlns:r="http://schemas.openxmlformats.org/officeDocument/2006/relationships" xmlns:p="http://schemas.openxmlformats.org/presentationml/2006/main">
+  <p:cSld>
+    <p:spTree>
+      <p:nvGrpSpPr>
+        <p:cNvPr id="1" name=""/>
+        <p:cNvGrpSpPr/>
+        <p:nvPr/>
+      </p:nvGrpSpPr>
+      <p:grpSpPr>
+        <a:xfrm>
+          <a:off x="0" y="0"/>
+          <a:ext cx="0" cy="0"/>
+          <a:chOff x="0" y="0"/>
+          <a:chExt cx="0" cy="0"/>
+        </a:xfrm>
+      </p:grpSpPr>
+      <p:sp>
+        <p:nvSpPr>
+          <p:cNvPr id="2" name="Slide Image Placeholder 1"/>
+          <p:cNvSpPr>
+            <a:spLocks noGrp="1" noRot="1" noChangeAspect="1"/>
+          </p:cNvSpPr>
+          <p:nvPr>
+            <p:ph type="sldImg"/>
+          </p:nvPr>
+        </p:nvSpPr>
+        <p:spPr/>
+      </p:sp>
+      <p:sp>
+        <p:nvSpPr>
+          <p:cNvPr id="3" name="Notes Placeholder 2"/>
+          <p:cNvSpPr>
+            <a:spLocks noGrp="1"/>
+          </p:cNvSpPr>
+          <p:nvPr>
+            <p:ph type="body" idx="1"/>
+          </p:nvPr>
+        </p:nvSpPr>
+        <p:spPr/>
+        <p:txBody>
+          <a:bodyPr/>
+          <a:lstStyle/>
           <a:p>
             <a:pPr marL="171450" indent="-171450">
               <a:buFont typeface="Arial" panose="020B0604020202020204" pitchFamily="34" charset="0"/>
               <a:buChar char="•"/>
             </a:pPr>
             <a:r>
+              <a:rPr lang="en-US" dirty="0" err="1"/>
+              <a:t>Youll</a:t>
+            </a:r>
+            <a:r>
+              <a:rPr lang="en-US" dirty="0"/>
+              <a:t> see me constantly googling, looking up documentation and asking chat </a:t>
+            </a:r>
+            <a:r>
+              <a:rPr lang="en-US" dirty="0" err="1"/>
+              <a:t>gpt</a:t>
+            </a:r>
+            <a:r>
+              <a:rPr lang="en-US" dirty="0"/>
+              <a:t> questions </a:t>
+            </a:r>
+          </a:p>
+          <a:p>
+            <a:pPr marL="171450" indent="-171450">
+              <a:buFont typeface="Arial" panose="020B0604020202020204" pitchFamily="34" charset="0"/>
+              <a:buChar char="•"/>
+            </a:pPr>
+            <a:r>
+              <a:rPr lang="en-US" dirty="0"/>
+              <a:t>But to actually get anywhere, I need to be able to define the problem and a solution strategy</a:t>
+            </a:r>
+          </a:p>
+          <a:p>
+            <a:pPr marL="171450" indent="-171450">
+              <a:buFont typeface="Arial" panose="020B0604020202020204" pitchFamily="34" charset="0"/>
+              <a:buChar char="•"/>
+            </a:pPr>
+            <a:r>
               <a:rPr lang="en-US" dirty="0"/>
               <a:t>Like I said at beginning, knowing the basics of programming will help you know how to </a:t>
             </a:r>
@@ -6537,6 +6701,156 @@
             <a:fld id="{50E95E54-B1D1-F244-872C-1B859491FC55}" type="slidenum">
               <a:rPr lang="en-US" smtClean="0"/>
               <a:t>23</a:t>
+            </a:fld>
+            <a:endParaRPr lang="en-US"/>
+          </a:p>
+        </p:txBody>
+      </p:sp>
+    </p:spTree>
+    <p:extLst>
+      <p:ext uri="{BB962C8B-B14F-4D97-AF65-F5344CB8AC3E}">
+        <p14:creationId xmlns:p14="http://schemas.microsoft.com/office/powerpoint/2010/main" val="588423365"/>
+      </p:ext>
+    </p:extLst>
+  </p:cSld>
+  <p:clrMapOvr>
+    <a:masterClrMapping/>
+  </p:clrMapOvr>
+</p:notes>
+</file>
+
+<file path=ppt/notesSlides/notesSlide12.xml><?xml version="1.0" encoding="utf-8"?>
+<p:notes xmlns:a="http://schemas.openxmlformats.org/drawingml/2006/main" xmlns:r="http://schemas.openxmlformats.org/officeDocument/2006/relationships" xmlns:p="http://schemas.openxmlformats.org/presentationml/2006/main">
+  <p:cSld>
+    <p:spTree>
+      <p:nvGrpSpPr>
+        <p:cNvPr id="1" name=""/>
+        <p:cNvGrpSpPr/>
+        <p:nvPr/>
+      </p:nvGrpSpPr>
+      <p:grpSpPr>
+        <a:xfrm>
+          <a:off x="0" y="0"/>
+          <a:ext cx="0" cy="0"/>
+          <a:chOff x="0" y="0"/>
+          <a:chExt cx="0" cy="0"/>
+        </a:xfrm>
+      </p:grpSpPr>
+      <p:sp>
+        <p:nvSpPr>
+          <p:cNvPr id="2" name="Slide Image Placeholder 1"/>
+          <p:cNvSpPr>
+            <a:spLocks noGrp="1" noRot="1" noChangeAspect="1"/>
+          </p:cNvSpPr>
+          <p:nvPr>
+            <p:ph type="sldImg"/>
+          </p:nvPr>
+        </p:nvSpPr>
+        <p:spPr/>
+      </p:sp>
+      <p:sp>
+        <p:nvSpPr>
+          <p:cNvPr id="3" name="Notes Placeholder 2"/>
+          <p:cNvSpPr>
+            <a:spLocks noGrp="1"/>
+          </p:cNvSpPr>
+          <p:nvPr>
+            <p:ph type="body" idx="1"/>
+          </p:nvPr>
+        </p:nvSpPr>
+        <p:spPr/>
+        <p:txBody>
+          <a:bodyPr/>
+          <a:lstStyle/>
+          <a:p>
+            <a:pPr marL="171450" indent="-171450">
+              <a:buFont typeface="Arial" panose="020B0604020202020204" pitchFamily="34" charset="0"/>
+              <a:buChar char="•"/>
+            </a:pPr>
+            <a:r>
+              <a:rPr lang="en-US" dirty="0" err="1"/>
+              <a:t>Youll</a:t>
+            </a:r>
+            <a:r>
+              <a:rPr lang="en-US" dirty="0"/>
+              <a:t> see me constantly googling, looking up documentation and asking chat </a:t>
+            </a:r>
+            <a:r>
+              <a:rPr lang="en-US" dirty="0" err="1"/>
+              <a:t>gpt</a:t>
+            </a:r>
+            <a:r>
+              <a:rPr lang="en-US" dirty="0"/>
+              <a:t> questions </a:t>
+            </a:r>
+          </a:p>
+          <a:p>
+            <a:pPr marL="171450" indent="-171450">
+              <a:buFont typeface="Arial" panose="020B0604020202020204" pitchFamily="34" charset="0"/>
+              <a:buChar char="•"/>
+            </a:pPr>
+            <a:r>
+              <a:rPr lang="en-US" dirty="0"/>
+              <a:t>But to actually get anywhere, I need to be able to define the problem and a solution strategy</a:t>
+            </a:r>
+          </a:p>
+          <a:p>
+            <a:pPr marL="171450" indent="-171450">
+              <a:buFont typeface="Arial" panose="020B0604020202020204" pitchFamily="34" charset="0"/>
+              <a:buChar char="•"/>
+            </a:pPr>
+            <a:r>
+              <a:rPr lang="en-US" dirty="0"/>
+              <a:t>Like I said at beginning, knowing the basics of programming will help you know how to </a:t>
+            </a:r>
+            <a:r>
+              <a:rPr lang="en-US" dirty="0" err="1"/>
+              <a:t>creat</a:t>
+            </a:r>
+            <a:r>
+              <a:rPr lang="en-US" dirty="0"/>
+              <a:t> solution strategy </a:t>
+            </a:r>
+            <a:r>
+              <a:rPr lang="en-US" dirty="0" err="1"/>
+              <a:t>bc</a:t>
+            </a:r>
+            <a:r>
+              <a:rPr lang="en-US" dirty="0"/>
+              <a:t> </a:t>
+            </a:r>
+            <a:r>
+              <a:rPr lang="en-US" dirty="0" err="1"/>
+              <a:t>youll</a:t>
+            </a:r>
+            <a:r>
+              <a:rPr lang="en-US" dirty="0"/>
+              <a:t> have practiced </a:t>
+            </a:r>
+          </a:p>
+          <a:p>
+            <a:endParaRPr lang="en-US" dirty="0"/>
+          </a:p>
+        </p:txBody>
+      </p:sp>
+      <p:sp>
+        <p:nvSpPr>
+          <p:cNvPr id="4" name="Slide Number Placeholder 3"/>
+          <p:cNvSpPr>
+            <a:spLocks noGrp="1"/>
+          </p:cNvSpPr>
+          <p:nvPr>
+            <p:ph type="sldNum" sz="quarter" idx="5"/>
+          </p:nvPr>
+        </p:nvSpPr>
+        <p:spPr/>
+        <p:txBody>
+          <a:bodyPr/>
+          <a:lstStyle/>
+          <a:p>
+            <a:fld id="{50E95E54-B1D1-F244-872C-1B859491FC55}" type="slidenum">
+              <a:rPr lang="en-US" smtClean="0"/>
+              <a:t>24</a:t>
             </a:fld>
             <a:endParaRPr lang="en-US"/>
           </a:p>
@@ -6629,7 +6943,7 @@
     </p:spTree>
     <p:extLst>
       <p:ext uri="{BB962C8B-B14F-4D97-AF65-F5344CB8AC3E}">
-        <p14:creationId xmlns:p14="http://schemas.microsoft.com/office/powerpoint/2010/main" val="1457160654"/>
+        <p14:creationId xmlns:p14="http://schemas.microsoft.com/office/powerpoint/2010/main" val="1194661420"/>
       </p:ext>
     </p:extLst>
   </p:cSld>
@@ -6683,24 +6997,6 @@
           <a:bodyPr/>
           <a:lstStyle/>
           <a:p>
-            <a:pPr marL="171450" indent="-171450">
-              <a:buFont typeface="Arial" panose="020B0604020202020204" pitchFamily="34" charset="0"/>
-              <a:buChar char="•"/>
-            </a:pPr>
-            <a:r>
-              <a:rPr lang="en-US" dirty="0"/>
-              <a:t>IDE: </a:t>
-            </a:r>
-            <a:r>
-              <a:rPr lang="en-US" b="0" i="0" dirty="0">
-                <a:solidFill>
-                  <a:srgbClr val="374151"/>
-                </a:solidFill>
-                <a:effectLst/>
-                <a:latin typeface="Söhne"/>
-              </a:rPr>
-              <a:t>integrated development environment </a:t>
-            </a:r>
             <a:endParaRPr lang="en-US" dirty="0"/>
           </a:p>
         </p:txBody>
@@ -6722,7 +7018,7 @@
           <a:p>
             <a:fld id="{50E95E54-B1D1-F244-872C-1B859491FC55}" type="slidenum">
               <a:rPr lang="en-US" smtClean="0"/>
-              <a:t>11</a:t>
+              <a:t>7</a:t>
             </a:fld>
             <a:endParaRPr lang="en-US"/>
           </a:p>
@@ -6731,7 +7027,7 @@
     </p:spTree>
     <p:extLst>
       <p:ext uri="{BB962C8B-B14F-4D97-AF65-F5344CB8AC3E}">
-        <p14:creationId xmlns:p14="http://schemas.microsoft.com/office/powerpoint/2010/main" val="3436309473"/>
+        <p14:creationId xmlns:p14="http://schemas.microsoft.com/office/powerpoint/2010/main" val="1457160654"/>
       </p:ext>
     </p:extLst>
   </p:cSld>
@@ -6785,99 +7081,30 @@
           <a:bodyPr/>
           <a:lstStyle/>
           <a:p>
-            <a:pPr marL="171450" indent="-171450">
-              <a:buFont typeface="Arial" panose="020B0604020202020204" pitchFamily="34" charset="0"/>
-              <a:buChar char="•"/>
-            </a:pPr>
             <a:r>
               <a:rPr lang="en-US" dirty="0"/>
-              <a:t>Lets back out</a:t>
-            </a:r>
-          </a:p>
-          <a:p>
-            <a:pPr marL="171450" indent="-171450">
-              <a:buFont typeface="Arial" panose="020B0604020202020204" pitchFamily="34" charset="0"/>
-              <a:buChar char="•"/>
-            </a:pPr>
+              <a:t>- Go look at the </a:t>
+            </a:r>
+            <a:r>
+              <a:rPr lang="en-US" dirty="0" err="1"/>
+              <a:t>github</a:t>
+            </a:r>
             <a:r>
               <a:rPr lang="en-US" dirty="0"/>
-              <a:t>Why is it important to think like a computer (more than coding) </a:t>
-            </a:r>
-          </a:p>
-          <a:p>
-            <a:pPr marL="171450" indent="-171450">
-              <a:buFont typeface="Arial" panose="020B0604020202020204" pitchFamily="34" charset="0"/>
-              <a:buChar char="•"/>
-            </a:pPr>
-            <a:endParaRPr lang="en-US" dirty="0"/>
+              <a:t> </a:t>
+            </a:r>
           </a:p>
           <a:p>
             <a:r>
               <a:rPr lang="en-US" dirty="0"/>
-              <a:t>Clear definition of “problems” </a:t>
-            </a:r>
-          </a:p>
-          <a:p>
-            <a:pPr lvl="1"/>
+              <a:t>- canvas for problem sets </a:t>
+            </a:r>
+          </a:p>
+          <a:p>
             <a:r>
               <a:rPr lang="en-US" dirty="0"/>
-              <a:t>Cannot solve a problem that isn’t defined (how do you know its solved?)</a:t>
-            </a:r>
-          </a:p>
-          <a:p>
-            <a:pPr lvl="1"/>
-            <a:r>
-              <a:rPr lang="en-US" dirty="0"/>
-              <a:t>Coding forces precision and accuracy in problem definition </a:t>
-            </a:r>
-          </a:p>
-          <a:p>
-            <a:pPr lvl="1"/>
-            <a:r>
-              <a:rPr lang="en-US" dirty="0"/>
-              <a:t>Collaboration: Once clear to you, can also be clear to team members </a:t>
-            </a:r>
-          </a:p>
-          <a:p>
-            <a:r>
-              <a:rPr lang="en-US" dirty="0"/>
-              <a:t>Solutions to “problems”</a:t>
-            </a:r>
-          </a:p>
-          <a:p>
-            <a:pPr lvl="1"/>
-            <a:r>
-              <a:rPr lang="en-US" dirty="0"/>
-              <a:t>Our field is filled with giant problems </a:t>
-            </a:r>
-          </a:p>
-          <a:p>
-            <a:pPr lvl="1"/>
-            <a:r>
-              <a:rPr lang="en-US" dirty="0"/>
-              <a:t>To make progress, need to break them into solvable pieces </a:t>
-            </a:r>
-          </a:p>
-          <a:p>
-            <a:pPr lvl="1"/>
-            <a:r>
-              <a:rPr lang="en-US" dirty="0"/>
-              <a:t>Learning to program is learning how to break big problems down </a:t>
-            </a:r>
-          </a:p>
-          <a:p>
-            <a:pPr lvl="1"/>
-            <a:r>
-              <a:rPr lang="en-US" dirty="0"/>
-              <a:t>Steps are clear </a:t>
-            </a:r>
-          </a:p>
-          <a:p>
-            <a:pPr marL="171450" indent="-171450">
-              <a:buFont typeface="Arial" panose="020B0604020202020204" pitchFamily="34" charset="0"/>
-              <a:buChar char="•"/>
-            </a:pPr>
-            <a:endParaRPr lang="en-US" dirty="0"/>
+              <a:t>- canvas has a discussion boars </a:t>
+            </a:r>
           </a:p>
         </p:txBody>
       </p:sp>
@@ -6898,7 +7125,7 @@
           <a:p>
             <a:fld id="{50E95E54-B1D1-F244-872C-1B859491FC55}" type="slidenum">
               <a:rPr lang="en-US" smtClean="0"/>
-              <a:t>12</a:t>
+              <a:t>8</a:t>
             </a:fld>
             <a:endParaRPr lang="en-US"/>
           </a:p>
@@ -6907,7 +7134,7 @@
     </p:spTree>
     <p:extLst>
       <p:ext uri="{BB962C8B-B14F-4D97-AF65-F5344CB8AC3E}">
-        <p14:creationId xmlns:p14="http://schemas.microsoft.com/office/powerpoint/2010/main" val="1842033855"/>
+        <p14:creationId xmlns:p14="http://schemas.microsoft.com/office/powerpoint/2010/main" val="901525359"/>
       </p:ext>
     </p:extLst>
   </p:cSld>
@@ -6967,74 +7194,18 @@
             </a:pPr>
             <a:r>
               <a:rPr lang="en-US" dirty="0"/>
-              <a:t>Now lets zoom in, why is it worth learning how to code?</a:t>
-            </a:r>
-          </a:p>
-          <a:p>
-            <a:pPr marL="171450" indent="-171450">
-              <a:buFont typeface="Arial" panose="020B0604020202020204" pitchFamily="34" charset="0"/>
-              <a:buChar char="•"/>
-            </a:pPr>
-            <a:endParaRPr lang="en-US" dirty="0"/>
-          </a:p>
-          <a:p>
-            <a:r>
-              <a:rPr lang="en-US" dirty="0"/>
-              <a:t>Efficiency and Speed – its so much faster </a:t>
-            </a:r>
-          </a:p>
-          <a:p>
-            <a:r>
-              <a:rPr lang="en-US" dirty="0"/>
-              <a:t>Accurate – not reliant on copy-paste/find-replace </a:t>
-            </a:r>
-          </a:p>
-          <a:p>
-            <a:r>
-              <a:rPr lang="en-US" dirty="0"/>
-              <a:t>Replicability – for your teams, others, new datasets </a:t>
-            </a:r>
-          </a:p>
-          <a:p>
-            <a:r>
-              <a:rPr lang="en-US" dirty="0"/>
-              <a:t>Customize – write models for your data, clean and manipulate data for your models</a:t>
-            </a:r>
-          </a:p>
-          <a:p>
-            <a:pPr marL="0" marR="0" lvl="0" indent="0" algn="l" defTabSz="914400" rtl="0" eaLnBrk="1" fontAlgn="auto" latinLnBrk="0" hangingPunct="1">
-              <a:lnSpc>
-                <a:spcPct val="100000"/>
-              </a:lnSpc>
-              <a:spcBef>
-                <a:spcPts val="0"/>
-              </a:spcBef>
-              <a:spcAft>
-                <a:spcPts val="0"/>
-              </a:spcAft>
-              <a:buClrTx/>
-              <a:buSzTx/>
-              <a:buFontTx/>
-              <a:buNone/>
-              <a:tabLst/>
-              <a:defRPr/>
-            </a:pPr>
-            <a:r>
-              <a:rPr lang="en-US" dirty="0"/>
-              <a:t>Employment – more jobs, better jobs, more money -- Varies wildly, but on average, people who code make 20-30% more which is something like 10-20k more per year </a:t>
-            </a:r>
-          </a:p>
-          <a:p>
-            <a:r>
-              <a:rPr lang="en-US" dirty="0"/>
-              <a:t>Collaboration – compared to excel, GitHub on last day</a:t>
-            </a:r>
-          </a:p>
-          <a:p>
-            <a:pPr marL="171450" indent="-171450">
-              <a:buFont typeface="Arial" panose="020B0604020202020204" pitchFamily="34" charset="0"/>
-              <a:buChar char="•"/>
-            </a:pPr>
+              <a:t>IDE: </a:t>
+            </a:r>
+            <a:r>
+              <a:rPr lang="en-US" b="0" i="0" dirty="0">
+                <a:solidFill>
+                  <a:srgbClr val="374151"/>
+                </a:solidFill>
+                <a:effectLst/>
+                <a:latin typeface="Söhne"/>
+              </a:rPr>
+              <a:t>integrated development environment </a:t>
+            </a:r>
             <a:endParaRPr lang="en-US" dirty="0"/>
           </a:p>
         </p:txBody>
@@ -7056,7 +7227,7 @@
           <a:p>
             <a:fld id="{50E95E54-B1D1-F244-872C-1B859491FC55}" type="slidenum">
               <a:rPr lang="en-US" smtClean="0"/>
-              <a:t>13</a:t>
+              <a:t>12</a:t>
             </a:fld>
             <a:endParaRPr lang="en-US"/>
           </a:p>
@@ -7065,7 +7236,7 @@
     </p:spTree>
     <p:extLst>
       <p:ext uri="{BB962C8B-B14F-4D97-AF65-F5344CB8AC3E}">
-        <p14:creationId xmlns:p14="http://schemas.microsoft.com/office/powerpoint/2010/main" val="2076897220"/>
+        <p14:creationId xmlns:p14="http://schemas.microsoft.com/office/powerpoint/2010/main" val="3436309473"/>
       </p:ext>
     </p:extLst>
   </p:cSld>
@@ -7119,33 +7290,98 @@
           <a:bodyPr/>
           <a:lstStyle/>
           <a:p>
+            <a:pPr marL="171450" indent="-171450">
+              <a:buFont typeface="Arial" panose="020B0604020202020204" pitchFamily="34" charset="0"/>
+              <a:buChar char="•"/>
+            </a:pPr>
             <a:r>
               <a:rPr lang="en-US" dirty="0"/>
-              <a:t>Why </a:t>
+              <a:t>Lets back out</a:t>
+            </a:r>
+          </a:p>
+          <a:p>
+            <a:pPr marL="171450" indent="-171450">
+              <a:buFont typeface="Arial" panose="020B0604020202020204" pitchFamily="34" charset="0"/>
+              <a:buChar char="•"/>
+            </a:pPr>
+            <a:r>
+              <a:rPr lang="en-US" dirty="0"/>
+              <a:t>Why is it important to think like a computer (more than coding) </a:t>
+            </a:r>
+          </a:p>
+          <a:p>
+            <a:pPr marL="171450" indent="-171450">
+              <a:buFont typeface="Arial" panose="020B0604020202020204" pitchFamily="34" charset="0"/>
+              <a:buChar char="•"/>
+            </a:pPr>
+            <a:endParaRPr lang="en-US" dirty="0"/>
+          </a:p>
+          <a:p>
+            <a:r>
+              <a:rPr lang="en-US" dirty="0"/>
+              <a:t>Clear definition of “problems” </a:t>
             </a:r>
           </a:p>
           <a:p>
             <a:pPr lvl="1"/>
             <a:r>
               <a:rPr lang="en-US" dirty="0"/>
-              <a:t>Clarify your logic – are you solving the problem?</a:t>
+              <a:t>Cannot solve a problem that isn’t defined (how do you know its solved?)</a:t>
             </a:r>
           </a:p>
           <a:p>
             <a:pPr lvl="1"/>
             <a:r>
               <a:rPr lang="en-US" dirty="0"/>
-              <a:t>Serves as road map and plan – important for multiple work sessions</a:t>
+              <a:t>Coding forces precision and accuracy in problem definition </a:t>
             </a:r>
           </a:p>
           <a:p>
             <a:pPr lvl="1"/>
             <a:r>
               <a:rPr lang="en-US" dirty="0"/>
-              <a:t>Collaboration/Documentation – can communicate what you did to others </a:t>
-            </a:r>
-          </a:p>
-          <a:p>
+              <a:t>Collaboration: Once clear to you, can also be clear to team members </a:t>
+            </a:r>
+          </a:p>
+          <a:p>
+            <a:r>
+              <a:rPr lang="en-US" dirty="0"/>
+              <a:t>Solutions to “problems”</a:t>
+            </a:r>
+          </a:p>
+          <a:p>
+            <a:pPr lvl="1"/>
+            <a:r>
+              <a:rPr lang="en-US" dirty="0"/>
+              <a:t>Our field is filled with giant problems </a:t>
+            </a:r>
+          </a:p>
+          <a:p>
+            <a:pPr lvl="1"/>
+            <a:r>
+              <a:rPr lang="en-US" dirty="0"/>
+              <a:t>To make progress, need to break them into solvable pieces </a:t>
+            </a:r>
+          </a:p>
+          <a:p>
+            <a:pPr lvl="1"/>
+            <a:r>
+              <a:rPr lang="en-US" dirty="0"/>
+              <a:t>Learning to program is learning how to break big problems down </a:t>
+            </a:r>
+          </a:p>
+          <a:p>
+            <a:pPr lvl="1"/>
+            <a:r>
+              <a:rPr lang="en-US" dirty="0"/>
+              <a:t>Steps are clear </a:t>
+            </a:r>
+          </a:p>
+          <a:p>
+            <a:pPr marL="171450" indent="-171450">
+              <a:buFont typeface="Arial" panose="020B0604020202020204" pitchFamily="34" charset="0"/>
+              <a:buChar char="•"/>
+            </a:pPr>
             <a:endParaRPr lang="en-US" dirty="0"/>
           </a:p>
         </p:txBody>
@@ -7167,7 +7403,7 @@
           <a:p>
             <a:fld id="{50E95E54-B1D1-F244-872C-1B859491FC55}" type="slidenum">
               <a:rPr lang="en-US" smtClean="0"/>
-              <a:t>14</a:t>
+              <a:t>13</a:t>
             </a:fld>
             <a:endParaRPr lang="en-US"/>
           </a:p>
@@ -7176,7 +7412,7 @@
     </p:spTree>
     <p:extLst>
       <p:ext uri="{BB962C8B-B14F-4D97-AF65-F5344CB8AC3E}">
-        <p14:creationId xmlns:p14="http://schemas.microsoft.com/office/powerpoint/2010/main" val="983152956"/>
+        <p14:creationId xmlns:p14="http://schemas.microsoft.com/office/powerpoint/2010/main" val="1842033855"/>
       </p:ext>
     </p:extLst>
   </p:cSld>
@@ -7230,15 +7466,80 @@
           <a:bodyPr/>
           <a:lstStyle/>
           <a:p>
+            <a:pPr marL="171450" indent="-171450">
+              <a:buFont typeface="Arial" panose="020B0604020202020204" pitchFamily="34" charset="0"/>
+              <a:buChar char="•"/>
+            </a:pPr>
             <a:r>
               <a:rPr lang="en-US" dirty="0"/>
-              <a:t>This if else is very elegant because it considers how the player can win, then puts everything else in another case </a:t>
-            </a:r>
-          </a:p>
-          <a:p>
+              <a:t>Now lets zoom in, why is it worth learning how to code?</a:t>
+            </a:r>
+          </a:p>
+          <a:p>
+            <a:pPr marL="171450" indent="-171450">
+              <a:buFont typeface="Arial" panose="020B0604020202020204" pitchFamily="34" charset="0"/>
+              <a:buChar char="•"/>
+            </a:pPr>
             <a:endParaRPr lang="en-US" dirty="0"/>
           </a:p>
           <a:p>
+            <a:r>
+              <a:rPr lang="en-US" dirty="0"/>
+              <a:t>Efficiency and Speed – its so much faster </a:t>
+            </a:r>
+          </a:p>
+          <a:p>
+            <a:r>
+              <a:rPr lang="en-US" dirty="0"/>
+              <a:t>Accurate – not reliant on copy-paste/find-replace </a:t>
+            </a:r>
+          </a:p>
+          <a:p>
+            <a:r>
+              <a:rPr lang="en-US" dirty="0"/>
+              <a:t>Replicability – for your teams, others, new datasets </a:t>
+            </a:r>
+          </a:p>
+          <a:p>
+            <a:r>
+              <a:rPr lang="en-US" dirty="0"/>
+              <a:t>Customize – write models for your data, clean and manipulate data for your models</a:t>
+            </a:r>
+          </a:p>
+          <a:p>
+            <a:pPr marL="0" marR="0" lvl="0" indent="0" algn="l" defTabSz="914400" rtl="0" eaLnBrk="1" fontAlgn="auto" latinLnBrk="0" hangingPunct="1">
+              <a:lnSpc>
+                <a:spcPct val="100000"/>
+              </a:lnSpc>
+              <a:spcBef>
+                <a:spcPts val="0"/>
+              </a:spcBef>
+              <a:spcAft>
+                <a:spcPts val="0"/>
+              </a:spcAft>
+              <a:buClrTx/>
+              <a:buSzTx/>
+              <a:buFontTx/>
+              <a:buNone/>
+              <a:tabLst/>
+              <a:defRPr/>
+            </a:pPr>
+            <a:r>
+              <a:rPr lang="en-US" dirty="0"/>
+              <a:t>Employment – more jobs, better jobs, more money -- Varies wildly, but on average, people who code make 20-30% more which is something like 10-20k more per year </a:t>
+            </a:r>
+          </a:p>
+          <a:p>
+            <a:r>
+              <a:rPr lang="en-US" dirty="0"/>
+              <a:t>Collaboration – compared to excel, GitHub on last day</a:t>
+            </a:r>
+          </a:p>
+          <a:p>
+            <a:pPr marL="171450" indent="-171450">
+              <a:buFont typeface="Arial" panose="020B0604020202020204" pitchFamily="34" charset="0"/>
+              <a:buChar char="•"/>
+            </a:pPr>
             <a:endParaRPr lang="en-US" dirty="0"/>
           </a:p>
         </p:txBody>
@@ -7260,7 +7561,7 @@
           <a:p>
             <a:fld id="{50E95E54-B1D1-F244-872C-1B859491FC55}" type="slidenum">
               <a:rPr lang="en-US" smtClean="0"/>
-              <a:t>20</a:t>
+              <a:t>14</a:t>
             </a:fld>
             <a:endParaRPr lang="en-US"/>
           </a:p>
@@ -7269,7 +7570,7 @@
     </p:spTree>
     <p:extLst>
       <p:ext uri="{BB962C8B-B14F-4D97-AF65-F5344CB8AC3E}">
-        <p14:creationId xmlns:p14="http://schemas.microsoft.com/office/powerpoint/2010/main" val="4048109156"/>
+        <p14:creationId xmlns:p14="http://schemas.microsoft.com/office/powerpoint/2010/main" val="2076897220"/>
       </p:ext>
     </p:extLst>
   </p:cSld>
@@ -7323,86 +7624,34 @@
           <a:bodyPr/>
           <a:lstStyle/>
           <a:p>
-            <a:pPr marL="171450" indent="-171450">
-              <a:buFont typeface="Arial" panose="020B0604020202020204" pitchFamily="34" charset="0"/>
-              <a:buChar char="•"/>
-            </a:pPr>
             <a:r>
               <a:rPr lang="en-US" dirty="0"/>
-              <a:t>If </a:t>
-            </a:r>
-            <a:r>
-              <a:rPr lang="en-US" dirty="0" err="1"/>
-              <a:t>i</a:t>
-            </a:r>
+              <a:t>Why </a:t>
+            </a:r>
+          </a:p>
+          <a:p>
+            <a:pPr lvl="1"/>
             <a:r>
               <a:rPr lang="en-US" dirty="0"/>
-              <a:t> told you the C choice and person choice, you should be tell what happens here </a:t>
-            </a:r>
-          </a:p>
-          <a:p>
-            <a:pPr marL="171450" indent="-171450">
-              <a:buFont typeface="Arial" panose="020B0604020202020204" pitchFamily="34" charset="0"/>
-              <a:buChar char="•"/>
-            </a:pPr>
+              <a:t>Clarify your logic – are you solving the problem?</a:t>
+            </a:r>
+          </a:p>
+          <a:p>
+            <a:pPr lvl="1"/>
             <a:r>
               <a:rPr lang="en-US" dirty="0"/>
-              <a:t>Things to highlight in this </a:t>
-            </a:r>
-          </a:p>
-          <a:p>
-            <a:pPr marL="628650" lvl="1" indent="-171450">
-              <a:buFont typeface="Arial" panose="020B0604020202020204" pitchFamily="34" charset="0"/>
-              <a:buChar char="•"/>
-            </a:pPr>
+              <a:t>Serves as road map and plan – important for multiple work sessions</a:t>
+            </a:r>
+          </a:p>
+          <a:p>
+            <a:pPr lvl="1"/>
             <a:r>
               <a:rPr lang="en-US" dirty="0"/>
-              <a:t>Function </a:t>
-            </a:r>
-          </a:p>
-          <a:p>
-            <a:pPr marL="628650" lvl="1" indent="-171450">
-              <a:buFont typeface="Arial" panose="020B0604020202020204" pitchFamily="34" charset="0"/>
-              <a:buChar char="•"/>
-            </a:pPr>
-            <a:r>
-              <a:rPr lang="en-US" dirty="0" err="1"/>
-              <a:t>If_case</a:t>
-            </a:r>
-            <a:r>
-              <a:rPr lang="en-US" dirty="0"/>
-              <a:t> cases </a:t>
-            </a:r>
-          </a:p>
-          <a:p>
-            <a:pPr marL="628650" lvl="1" indent="-171450">
-              <a:buFont typeface="Arial" panose="020B0604020202020204" pitchFamily="34" charset="0"/>
-              <a:buChar char="•"/>
-            </a:pPr>
-            <a:r>
-              <a:rPr lang="en-US" dirty="0"/>
-              <a:t>Boolean comparison </a:t>
-            </a:r>
-          </a:p>
-          <a:p>
-            <a:pPr marL="628650" lvl="1" indent="-171450">
-              <a:buFont typeface="Arial" panose="020B0604020202020204" pitchFamily="34" charset="0"/>
-              <a:buChar char="•"/>
-            </a:pPr>
-            <a:r>
-              <a:rPr lang="en-US" dirty="0"/>
-              <a:t>Loop </a:t>
-            </a:r>
-          </a:p>
-          <a:p>
-            <a:pPr marL="628650" lvl="1" indent="-171450">
-              <a:buFont typeface="Arial" panose="020B0604020202020204" pitchFamily="34" charset="0"/>
-              <a:buChar char="•"/>
-            </a:pPr>
-            <a:r>
-              <a:rPr lang="en-US" dirty="0"/>
-              <a:t>Storing a result </a:t>
-            </a:r>
+              <a:t>Collaboration/Documentation – can communicate what you did to others </a:t>
+            </a:r>
+          </a:p>
+          <a:p>
+            <a:endParaRPr lang="en-US" dirty="0"/>
           </a:p>
         </p:txBody>
       </p:sp>
@@ -7423,7 +7672,7 @@
           <a:p>
             <a:fld id="{50E95E54-B1D1-F244-872C-1B859491FC55}" type="slidenum">
               <a:rPr lang="en-US" smtClean="0"/>
-              <a:t>21</a:t>
+              <a:t>15</a:t>
             </a:fld>
             <a:endParaRPr lang="en-US"/>
           </a:p>
@@ -7432,7 +7681,7 @@
     </p:spTree>
     <p:extLst>
       <p:ext uri="{BB962C8B-B14F-4D97-AF65-F5344CB8AC3E}">
-        <p14:creationId xmlns:p14="http://schemas.microsoft.com/office/powerpoint/2010/main" val="1792020151"/>
+        <p14:creationId xmlns:p14="http://schemas.microsoft.com/office/powerpoint/2010/main" val="983152956"/>
       </p:ext>
     </p:extLst>
   </p:cSld>
@@ -7486,70 +7735,13 @@
           <a:bodyPr/>
           <a:lstStyle/>
           <a:p>
-            <a:pPr marL="171450" indent="-171450">
-              <a:buFont typeface="Arial" panose="020B0604020202020204" pitchFamily="34" charset="0"/>
-              <a:buChar char="•"/>
-            </a:pPr>
-            <a:r>
-              <a:rPr lang="en-US" dirty="0" err="1"/>
-              <a:t>Youll</a:t>
-            </a:r>
             <a:r>
               <a:rPr lang="en-US" dirty="0"/>
-              <a:t> see me constantly googling, looking up documentation and asking chat </a:t>
-            </a:r>
-            <a:r>
-              <a:rPr lang="en-US" dirty="0" err="1"/>
-              <a:t>gpt</a:t>
-            </a:r>
-            <a:r>
-              <a:rPr lang="en-US" dirty="0"/>
-              <a:t> questions </a:t>
-            </a:r>
-          </a:p>
-          <a:p>
-            <a:pPr marL="171450" indent="-171450">
-              <a:buFont typeface="Arial" panose="020B0604020202020204" pitchFamily="34" charset="0"/>
-              <a:buChar char="•"/>
-            </a:pPr>
-            <a:r>
-              <a:rPr lang="en-US" dirty="0"/>
-              <a:t>But to actually get anywhere, I need to be able to define the problem and a solution strategy</a:t>
-            </a:r>
-          </a:p>
-          <a:p>
-            <a:pPr marL="171450" indent="-171450">
-              <a:buFont typeface="Arial" panose="020B0604020202020204" pitchFamily="34" charset="0"/>
-              <a:buChar char="•"/>
-            </a:pPr>
-            <a:r>
-              <a:rPr lang="en-US" dirty="0"/>
-              <a:t>Like I said at beginning, knowing the basics of programming will help you know how to </a:t>
-            </a:r>
-            <a:r>
-              <a:rPr lang="en-US" dirty="0" err="1"/>
-              <a:t>creat</a:t>
-            </a:r>
-            <a:r>
-              <a:rPr lang="en-US" dirty="0"/>
-              <a:t> solution strategy </a:t>
-            </a:r>
-            <a:r>
-              <a:rPr lang="en-US" dirty="0" err="1"/>
-              <a:t>bc</a:t>
-            </a:r>
-            <a:r>
-              <a:rPr lang="en-US" dirty="0"/>
-              <a:t> </a:t>
-            </a:r>
-            <a:r>
-              <a:rPr lang="en-US" dirty="0" err="1"/>
-              <a:t>youll</a:t>
-            </a:r>
-            <a:r>
-              <a:rPr lang="en-US" dirty="0"/>
-              <a:t> have practiced </a:t>
-            </a:r>
+              <a:t>This if else is very elegant because it considers how the player can win, then puts everything else in another case </a:t>
+            </a:r>
+          </a:p>
+          <a:p>
+            <a:endParaRPr lang="en-US" dirty="0"/>
           </a:p>
           <a:p>
             <a:endParaRPr lang="en-US" dirty="0"/>
@@ -7573,7 +7765,7 @@
           <a:p>
             <a:fld id="{50E95E54-B1D1-F244-872C-1B859491FC55}" type="slidenum">
               <a:rPr lang="en-US" smtClean="0"/>
-              <a:t>22</a:t>
+              <a:t>21</a:t>
             </a:fld>
             <a:endParaRPr lang="en-US"/>
           </a:p>
@@ -7582,7 +7774,7 @@
     </p:spTree>
     <p:extLst>
       <p:ext uri="{BB962C8B-B14F-4D97-AF65-F5344CB8AC3E}">
-        <p14:creationId xmlns:p14="http://schemas.microsoft.com/office/powerpoint/2010/main" val="588423365"/>
+        <p14:creationId xmlns:p14="http://schemas.microsoft.com/office/powerpoint/2010/main" val="4048109156"/>
       </p:ext>
     </p:extLst>
   </p:cSld>
@@ -7739,7 +7931,7 @@
           <a:p>
             <a:fld id="{48B61B05-3ABA-374A-A954-F456CBED3C32}" type="datetimeFigureOut">
               <a:rPr lang="en-US" smtClean="0"/>
-              <a:t>1/9/24</a:t>
+              <a:t>1/10/24</a:t>
             </a:fld>
             <a:endParaRPr lang="en-US"/>
           </a:p>
@@ -7937,7 +8129,7 @@
           <a:p>
             <a:fld id="{48B61B05-3ABA-374A-A954-F456CBED3C32}" type="datetimeFigureOut">
               <a:rPr lang="en-US" smtClean="0"/>
-              <a:t>1/9/24</a:t>
+              <a:t>1/10/24</a:t>
             </a:fld>
             <a:endParaRPr lang="en-US"/>
           </a:p>
@@ -8145,7 +8337,7 @@
           <a:p>
             <a:fld id="{48B61B05-3ABA-374A-A954-F456CBED3C32}" type="datetimeFigureOut">
               <a:rPr lang="en-US" smtClean="0"/>
-              <a:t>1/9/24</a:t>
+              <a:t>1/10/24</a:t>
             </a:fld>
             <a:endParaRPr lang="en-US"/>
           </a:p>
@@ -8343,7 +8535,7 @@
           <a:p>
             <a:fld id="{48B61B05-3ABA-374A-A954-F456CBED3C32}" type="datetimeFigureOut">
               <a:rPr lang="en-US" smtClean="0"/>
-              <a:t>1/9/24</a:t>
+              <a:t>1/10/24</a:t>
             </a:fld>
             <a:endParaRPr lang="en-US"/>
           </a:p>
@@ -8618,7 +8810,7 @@
           <a:p>
             <a:fld id="{48B61B05-3ABA-374A-A954-F456CBED3C32}" type="datetimeFigureOut">
               <a:rPr lang="en-US" smtClean="0"/>
-              <a:t>1/9/24</a:t>
+              <a:t>1/10/24</a:t>
             </a:fld>
             <a:endParaRPr lang="en-US"/>
           </a:p>
@@ -8883,7 +9075,7 @@
           <a:p>
             <a:fld id="{48B61B05-3ABA-374A-A954-F456CBED3C32}" type="datetimeFigureOut">
               <a:rPr lang="en-US" smtClean="0"/>
-              <a:t>1/9/24</a:t>
+              <a:t>1/10/24</a:t>
             </a:fld>
             <a:endParaRPr lang="en-US"/>
           </a:p>
@@ -9295,7 +9487,7 @@
           <a:p>
             <a:fld id="{48B61B05-3ABA-374A-A954-F456CBED3C32}" type="datetimeFigureOut">
               <a:rPr lang="en-US" smtClean="0"/>
-              <a:t>1/9/24</a:t>
+              <a:t>1/10/24</a:t>
             </a:fld>
             <a:endParaRPr lang="en-US"/>
           </a:p>
@@ -9436,7 +9628,7 @@
           <a:p>
             <a:fld id="{48B61B05-3ABA-374A-A954-F456CBED3C32}" type="datetimeFigureOut">
               <a:rPr lang="en-US" smtClean="0"/>
-              <a:t>1/9/24</a:t>
+              <a:t>1/10/24</a:t>
             </a:fld>
             <a:endParaRPr lang="en-US"/>
           </a:p>
@@ -9549,7 +9741,7 @@
           <a:p>
             <a:fld id="{48B61B05-3ABA-374A-A954-F456CBED3C32}" type="datetimeFigureOut">
               <a:rPr lang="en-US" smtClean="0"/>
-              <a:t>1/9/24</a:t>
+              <a:t>1/10/24</a:t>
             </a:fld>
             <a:endParaRPr lang="en-US"/>
           </a:p>
@@ -9860,7 +10052,7 @@
           <a:p>
             <a:fld id="{48B61B05-3ABA-374A-A954-F456CBED3C32}" type="datetimeFigureOut">
               <a:rPr lang="en-US" smtClean="0"/>
-              <a:t>1/9/24</a:t>
+              <a:t>1/10/24</a:t>
             </a:fld>
             <a:endParaRPr lang="en-US"/>
           </a:p>
@@ -10148,7 +10340,7 @@
           <a:p>
             <a:fld id="{48B61B05-3ABA-374A-A954-F456CBED3C32}" type="datetimeFigureOut">
               <a:rPr lang="en-US" smtClean="0"/>
-              <a:t>1/9/24</a:t>
+              <a:t>1/10/24</a:t>
             </a:fld>
             <a:endParaRPr lang="en-US"/>
           </a:p>
@@ -10389,7 +10581,7 @@
           <a:p>
             <a:fld id="{48B61B05-3ABA-374A-A954-F456CBED3C32}" type="datetimeFigureOut">
               <a:rPr lang="en-US" smtClean="0"/>
-              <a:t>1/9/24</a:t>
+              <a:t>1/10/24</a:t>
             </a:fld>
             <a:endParaRPr lang="en-US"/>
           </a:p>
@@ -10992,13 +11184,7 @@
               <a:buAutoNum type="arabicPeriod"/>
             </a:pPr>
             <a:r>
-              <a:rPr lang="en-US" b="1" dirty="0">
-                <a:solidFill>
-                  <a:schemeClr val="accent6">
-                    <a:lumMod val="50000"/>
-                  </a:schemeClr>
-                </a:solidFill>
-              </a:rPr>
+              <a:rPr lang="en-US" dirty="0"/>
               <a:t>Code – R, Python, etc.</a:t>
             </a:r>
           </a:p>
@@ -11030,7 +11216,7 @@
     </p:spTree>
     <p:extLst>
       <p:ext uri="{BB962C8B-B14F-4D97-AF65-F5344CB8AC3E}">
-        <p14:creationId xmlns:p14="http://schemas.microsoft.com/office/powerpoint/2010/main" val="662407728"/>
+        <p14:creationId xmlns:p14="http://schemas.microsoft.com/office/powerpoint/2010/main" val="1627857246"/>
       </p:ext>
     </p:extLst>
   </p:cSld>
@@ -11062,7 +11248,7 @@
           <p:cNvPr id="2" name="Title 1">
             <a:extLst>
               <a:ext uri="{FF2B5EF4-FFF2-40B4-BE49-F238E27FC236}">
-                <a16:creationId xmlns:a16="http://schemas.microsoft.com/office/drawing/2014/main" id="{886A2096-631B-BA7F-889C-C225F127D5EC}"/>
+                <a16:creationId xmlns:a16="http://schemas.microsoft.com/office/drawing/2014/main" id="{8BC4255B-F77E-358C-EC99-ED7DE2B2661D}"/>
               </a:ext>
             </a:extLst>
           </p:cNvPr>
@@ -11080,7 +11266,7 @@
           <a:p>
             <a:r>
               <a:rPr lang="en-US" dirty="0"/>
-              <a:t>Some definitions</a:t>
+              <a:t>What is programming </a:t>
             </a:r>
           </a:p>
         </p:txBody>
@@ -11090,7 +11276,7 @@
           <p:cNvPr id="3" name="Content Placeholder 2">
             <a:extLst>
               <a:ext uri="{FF2B5EF4-FFF2-40B4-BE49-F238E27FC236}">
-                <a16:creationId xmlns:a16="http://schemas.microsoft.com/office/drawing/2014/main" id="{C5C42AFB-1BB5-B1D6-7CE5-29B4CC63386D}"/>
+                <a16:creationId xmlns:a16="http://schemas.microsoft.com/office/drawing/2014/main" id="{23224007-E4CC-6062-D9A9-552CD71E9C16}"/>
               </a:ext>
             </a:extLst>
           </p:cNvPr>
@@ -11103,86 +11289,65 @@
         </p:nvSpPr>
         <p:spPr/>
         <p:txBody>
-          <a:bodyPr>
-            <a:normAutofit lnSpcReduction="10000"/>
-          </a:bodyPr>
+          <a:bodyPr/>
           <a:lstStyle/>
           <a:p>
+            <a:pPr marL="514350" indent="-514350">
+              <a:buFont typeface="+mj-lt"/>
+              <a:buAutoNum type="arabicPeriod"/>
+            </a:pPr>
             <a:r>
               <a:rPr lang="en-US" dirty="0"/>
-              <a:t>Code (in many different programming languages)</a:t>
-            </a:r>
-          </a:p>
-          <a:p>
-            <a:pPr lvl="1"/>
+              <a:t>Bits and bytes – what the computer actually speaks (0s and 1s) </a:t>
+            </a:r>
+          </a:p>
+          <a:p>
+            <a:pPr marL="514350" indent="-514350">
+              <a:buFont typeface="+mj-lt"/>
+              <a:buAutoNum type="arabicPeriod"/>
+            </a:pPr>
             <a:r>
               <a:rPr lang="en-US" dirty="0"/>
-              <a:t>What your computer runs</a:t>
-            </a:r>
-          </a:p>
-          <a:p>
+              <a:t>Machine and Assembly languages -- translates our code to 0s and 1s </a:t>
+            </a:r>
+          </a:p>
+          <a:p>
+            <a:pPr marL="514350" indent="-514350">
+              <a:buFont typeface="+mj-lt"/>
+              <a:buAutoNum type="arabicPeriod"/>
+            </a:pPr>
+            <a:r>
+              <a:rPr lang="en-US" b="1" dirty="0">
+                <a:solidFill>
+                  <a:schemeClr val="accent6">
+                    <a:lumMod val="50000"/>
+                  </a:schemeClr>
+                </a:solidFill>
+              </a:rPr>
+              <a:t>Code – R, Python, etc.</a:t>
+            </a:r>
+          </a:p>
+          <a:p>
+            <a:pPr marL="514350" indent="-514350">
+              <a:buFont typeface="+mj-lt"/>
+              <a:buAutoNum type="arabicPeriod"/>
+            </a:pPr>
             <a:r>
               <a:rPr lang="en-US" dirty="0"/>
-              <a:t>Script: The text file where you write your code</a:t>
-            </a:r>
-          </a:p>
-          <a:p>
-            <a:r>
-              <a:rPr lang="en-US" dirty="0"/>
-              <a:t>Comments</a:t>
-            </a:r>
-          </a:p>
-          <a:p>
-            <a:pPr lvl="1"/>
-            <a:r>
-              <a:rPr lang="en-US" dirty="0"/>
-              <a:t>Notes you write yourself that the computer doesn’t read</a:t>
-            </a:r>
-          </a:p>
-          <a:p>
-            <a:r>
-              <a:rPr lang="en-US" dirty="0"/>
-              <a:t>Run (aka compile and execute): when the computer executes your code</a:t>
-            </a:r>
-          </a:p>
-          <a:p>
-            <a:r>
-              <a:rPr lang="en-US" dirty="0"/>
-              <a:t>IDE/GUI/Software</a:t>
-            </a:r>
-          </a:p>
-          <a:p>
-            <a:pPr lvl="1"/>
-            <a:r>
-              <a:rPr lang="en-US" dirty="0"/>
-              <a:t>Where you write and run your scripts and comments</a:t>
-            </a:r>
-          </a:p>
-          <a:p>
-            <a:pPr lvl="1"/>
-            <a:r>
-              <a:rPr lang="en-US" dirty="0"/>
-              <a:t>R Studio, </a:t>
-            </a:r>
-            <a:r>
-              <a:rPr lang="en-US" dirty="0" err="1"/>
-              <a:t>Jupyter</a:t>
-            </a:r>
-            <a:r>
-              <a:rPr lang="en-US" dirty="0"/>
-              <a:t> Notebooks, Google Collab (Collaboratory) </a:t>
-            </a:r>
-          </a:p>
-          <a:p>
-            <a:pPr lvl="1"/>
+              <a:t>Software – Windows, iOS, Applications, Excel, R Studio </a:t>
+            </a:r>
+          </a:p>
+          <a:p>
+            <a:pPr marL="0" indent="0">
+              <a:buNone/>
+            </a:pPr>
             <a:endParaRPr lang="en-US" dirty="0"/>
           </a:p>
           <a:p>
-            <a:pPr lvl="1"/>
-            <a:endParaRPr lang="en-US" dirty="0"/>
-          </a:p>
-          <a:p>
-            <a:pPr lvl="1"/>
+            <a:pPr marL="514350" indent="-514350">
+              <a:buFont typeface="+mj-lt"/>
+              <a:buAutoNum type="arabicPeriod"/>
+            </a:pPr>
             <a:endParaRPr lang="en-US" dirty="0"/>
           </a:p>
         </p:txBody>
@@ -11190,7 +11355,7 @@
     </p:spTree>
     <p:extLst>
       <p:ext uri="{BB962C8B-B14F-4D97-AF65-F5344CB8AC3E}">
-        <p14:creationId xmlns:p14="http://schemas.microsoft.com/office/powerpoint/2010/main" val="2179919467"/>
+        <p14:creationId xmlns:p14="http://schemas.microsoft.com/office/powerpoint/2010/main" val="662407728"/>
       </p:ext>
     </p:extLst>
   </p:cSld>
@@ -11222,7 +11387,7 @@
           <p:cNvPr id="2" name="Title 1">
             <a:extLst>
               <a:ext uri="{FF2B5EF4-FFF2-40B4-BE49-F238E27FC236}">
-                <a16:creationId xmlns:a16="http://schemas.microsoft.com/office/drawing/2014/main" id="{82052C25-2A3D-81A4-3989-FE0D8F846B18}"/>
+                <a16:creationId xmlns:a16="http://schemas.microsoft.com/office/drawing/2014/main" id="{886A2096-631B-BA7F-889C-C225F127D5EC}"/>
               </a:ext>
             </a:extLst>
           </p:cNvPr>
@@ -11240,46 +11405,117 @@
           <a:p>
             <a:r>
               <a:rPr lang="en-US" dirty="0"/>
-              <a:t>Think like a computer: more than coding</a:t>
+              <a:t>Some definitions</a:t>
             </a:r>
           </a:p>
         </p:txBody>
       </p:sp>
-      <p:graphicFrame>
-        <p:nvGraphicFramePr>
-          <p:cNvPr id="5" name="Content Placeholder 2">
+      <p:sp>
+        <p:nvSpPr>
+          <p:cNvPr id="3" name="Content Placeholder 2">
             <a:extLst>
               <a:ext uri="{FF2B5EF4-FFF2-40B4-BE49-F238E27FC236}">
-                <a16:creationId xmlns:a16="http://schemas.microsoft.com/office/drawing/2014/main" id="{765E3742-560E-3E00-4ABE-9AC0A404D3A9}"/>
+                <a16:creationId xmlns:a16="http://schemas.microsoft.com/office/drawing/2014/main" id="{C5C42AFB-1BB5-B1D6-7CE5-29B4CC63386D}"/>
               </a:ext>
             </a:extLst>
           </p:cNvPr>
-          <p:cNvGraphicFramePr>
-            <a:graphicFrameLocks noGrp="1"/>
-          </p:cNvGraphicFramePr>
+          <p:cNvSpPr>
+            <a:spLocks noGrp="1"/>
+          </p:cNvSpPr>
           <p:nvPr>
             <p:ph idx="1"/>
-            <p:extLst>
-              <p:ext uri="{D42A27DB-BD31-4B8C-83A1-F6EECF244321}">
-                <p14:modId xmlns:p14="http://schemas.microsoft.com/office/powerpoint/2010/main" val="4004908222"/>
-              </p:ext>
-            </p:extLst>
-          </p:nvPr>
-        </p:nvGraphicFramePr>
-        <p:xfrm>
-          <a:off x="838200" y="1825625"/>
-          <a:ext cx="10515600" cy="4351338"/>
-        </p:xfrm>
-        <a:graphic>
-          <a:graphicData uri="http://schemas.openxmlformats.org/drawingml/2006/diagram">
-            <dgm:relIds xmlns:dgm="http://schemas.openxmlformats.org/drawingml/2006/diagram" xmlns:r="http://schemas.openxmlformats.org/officeDocument/2006/relationships" r:dm="rId3" r:lo="rId4" r:qs="rId5" r:cs="rId6"/>
-          </a:graphicData>
-        </a:graphic>
-      </p:graphicFrame>
+          </p:nvPr>
+        </p:nvSpPr>
+        <p:spPr/>
+        <p:txBody>
+          <a:bodyPr>
+            <a:normAutofit lnSpcReduction="10000"/>
+          </a:bodyPr>
+          <a:lstStyle/>
+          <a:p>
+            <a:r>
+              <a:rPr lang="en-US" dirty="0"/>
+              <a:t>Code (in many different programming languages)</a:t>
+            </a:r>
+          </a:p>
+          <a:p>
+            <a:pPr lvl="1"/>
+            <a:r>
+              <a:rPr lang="en-US" dirty="0"/>
+              <a:t>What your computer runs</a:t>
+            </a:r>
+          </a:p>
+          <a:p>
+            <a:r>
+              <a:rPr lang="en-US" dirty="0"/>
+              <a:t>Script: The text file where you write your code</a:t>
+            </a:r>
+          </a:p>
+          <a:p>
+            <a:r>
+              <a:rPr lang="en-US" dirty="0"/>
+              <a:t>Comments</a:t>
+            </a:r>
+          </a:p>
+          <a:p>
+            <a:pPr lvl="1"/>
+            <a:r>
+              <a:rPr lang="en-US" dirty="0"/>
+              <a:t>Notes you write yourself that the computer doesn’t read</a:t>
+            </a:r>
+          </a:p>
+          <a:p>
+            <a:r>
+              <a:rPr lang="en-US" dirty="0"/>
+              <a:t>Run (aka compile and execute): when the computer executes your code</a:t>
+            </a:r>
+          </a:p>
+          <a:p>
+            <a:r>
+              <a:rPr lang="en-US" dirty="0"/>
+              <a:t>IDE/GUI/Software</a:t>
+            </a:r>
+          </a:p>
+          <a:p>
+            <a:pPr lvl="1"/>
+            <a:r>
+              <a:rPr lang="en-US" dirty="0"/>
+              <a:t>Where you write and run your scripts and comments</a:t>
+            </a:r>
+          </a:p>
+          <a:p>
+            <a:pPr lvl="1"/>
+            <a:r>
+              <a:rPr lang="en-US" dirty="0"/>
+              <a:t>R Studio, </a:t>
+            </a:r>
+            <a:r>
+              <a:rPr lang="en-US" dirty="0" err="1"/>
+              <a:t>Jupyter</a:t>
+            </a:r>
+            <a:r>
+              <a:rPr lang="en-US" dirty="0"/>
+              <a:t> Notebooks, Google Collab (Collaboratory) </a:t>
+            </a:r>
+          </a:p>
+          <a:p>
+            <a:pPr lvl="1"/>
+            <a:endParaRPr lang="en-US" dirty="0"/>
+          </a:p>
+          <a:p>
+            <a:pPr lvl="1"/>
+            <a:endParaRPr lang="en-US" dirty="0"/>
+          </a:p>
+          <a:p>
+            <a:pPr lvl="1"/>
+            <a:endParaRPr lang="en-US" dirty="0"/>
+          </a:p>
+        </p:txBody>
+      </p:sp>
     </p:spTree>
     <p:extLst>
       <p:ext uri="{BB962C8B-B14F-4D97-AF65-F5344CB8AC3E}">
-        <p14:creationId xmlns:p14="http://schemas.microsoft.com/office/powerpoint/2010/main" val="3135757197"/>
+        <p14:creationId xmlns:p14="http://schemas.microsoft.com/office/powerpoint/2010/main" val="2179919467"/>
       </p:ext>
     </p:extLst>
   </p:cSld>
@@ -11329,7 +11565,7 @@
           <a:p>
             <a:r>
               <a:rPr lang="en-US" dirty="0"/>
-              <a:t>Think like a computer: coding</a:t>
+              <a:t>Think like a computer: more than coding</a:t>
             </a:r>
           </a:p>
         </p:txBody>
@@ -11339,7 +11575,7 @@
           <p:cNvPr id="5" name="Content Placeholder 2">
             <a:extLst>
               <a:ext uri="{FF2B5EF4-FFF2-40B4-BE49-F238E27FC236}">
-                <a16:creationId xmlns:a16="http://schemas.microsoft.com/office/drawing/2014/main" id="{5EB2B9B6-6F9D-5373-AD0C-C2AF26D4AFC5}"/>
+                <a16:creationId xmlns:a16="http://schemas.microsoft.com/office/drawing/2014/main" id="{765E3742-560E-3E00-4ABE-9AC0A404D3A9}"/>
               </a:ext>
             </a:extLst>
           </p:cNvPr>
@@ -11350,7 +11586,7 @@
             <p:ph idx="1"/>
             <p:extLst>
               <p:ext uri="{D42A27DB-BD31-4B8C-83A1-F6EECF244321}">
-                <p14:modId xmlns:p14="http://schemas.microsoft.com/office/powerpoint/2010/main" val="1424928125"/>
+                <p14:modId xmlns:p14="http://schemas.microsoft.com/office/powerpoint/2010/main" val="4004908222"/>
               </p:ext>
             </p:extLst>
           </p:nvPr>
@@ -11368,7 +11604,7 @@
     </p:spTree>
     <p:extLst>
       <p:ext uri="{BB962C8B-B14F-4D97-AF65-F5344CB8AC3E}">
-        <p14:creationId xmlns:p14="http://schemas.microsoft.com/office/powerpoint/2010/main" val="226742592"/>
+        <p14:creationId xmlns:p14="http://schemas.microsoft.com/office/powerpoint/2010/main" val="3135757197"/>
       </p:ext>
     </p:extLst>
   </p:cSld>
@@ -11400,6 +11636,95 @@
           <p:cNvPr id="2" name="Title 1">
             <a:extLst>
               <a:ext uri="{FF2B5EF4-FFF2-40B4-BE49-F238E27FC236}">
+                <a16:creationId xmlns:a16="http://schemas.microsoft.com/office/drawing/2014/main" id="{82052C25-2A3D-81A4-3989-FE0D8F846B18}"/>
+              </a:ext>
+            </a:extLst>
+          </p:cNvPr>
+          <p:cNvSpPr>
+            <a:spLocks noGrp="1"/>
+          </p:cNvSpPr>
+          <p:nvPr>
+            <p:ph type="title"/>
+          </p:nvPr>
+        </p:nvSpPr>
+        <p:spPr/>
+        <p:txBody>
+          <a:bodyPr/>
+          <a:lstStyle/>
+          <a:p>
+            <a:r>
+              <a:rPr lang="en-US" dirty="0"/>
+              <a:t>Think like a computer: coding</a:t>
+            </a:r>
+          </a:p>
+        </p:txBody>
+      </p:sp>
+      <p:graphicFrame>
+        <p:nvGraphicFramePr>
+          <p:cNvPr id="5" name="Content Placeholder 2">
+            <a:extLst>
+              <a:ext uri="{FF2B5EF4-FFF2-40B4-BE49-F238E27FC236}">
+                <a16:creationId xmlns:a16="http://schemas.microsoft.com/office/drawing/2014/main" id="{5EB2B9B6-6F9D-5373-AD0C-C2AF26D4AFC5}"/>
+              </a:ext>
+            </a:extLst>
+          </p:cNvPr>
+          <p:cNvGraphicFramePr>
+            <a:graphicFrameLocks noGrp="1"/>
+          </p:cNvGraphicFramePr>
+          <p:nvPr>
+            <p:ph idx="1"/>
+            <p:extLst>
+              <p:ext uri="{D42A27DB-BD31-4B8C-83A1-F6EECF244321}">
+                <p14:modId xmlns:p14="http://schemas.microsoft.com/office/powerpoint/2010/main" val="1424928125"/>
+              </p:ext>
+            </p:extLst>
+          </p:nvPr>
+        </p:nvGraphicFramePr>
+        <p:xfrm>
+          <a:off x="838200" y="1825625"/>
+          <a:ext cx="10515600" cy="4351338"/>
+        </p:xfrm>
+        <a:graphic>
+          <a:graphicData uri="http://schemas.openxmlformats.org/drawingml/2006/diagram">
+            <dgm:relIds xmlns:dgm="http://schemas.openxmlformats.org/drawingml/2006/diagram" xmlns:r="http://schemas.openxmlformats.org/officeDocument/2006/relationships" r:dm="rId3" r:lo="rId4" r:qs="rId5" r:cs="rId6"/>
+          </a:graphicData>
+        </a:graphic>
+      </p:graphicFrame>
+    </p:spTree>
+    <p:extLst>
+      <p:ext uri="{BB962C8B-B14F-4D97-AF65-F5344CB8AC3E}">
+        <p14:creationId xmlns:p14="http://schemas.microsoft.com/office/powerpoint/2010/main" val="226742592"/>
+      </p:ext>
+    </p:extLst>
+  </p:cSld>
+  <p:clrMapOvr>
+    <a:masterClrMapping/>
+  </p:clrMapOvr>
+</p:sld>
+</file>
+
+<file path=ppt/slides/slide15.xml><?xml version="1.0" encoding="utf-8"?>
+<p:sld xmlns:a="http://schemas.openxmlformats.org/drawingml/2006/main" xmlns:r="http://schemas.openxmlformats.org/officeDocument/2006/relationships" xmlns:p="http://schemas.openxmlformats.org/presentationml/2006/main">
+  <p:cSld>
+    <p:spTree>
+      <p:nvGrpSpPr>
+        <p:cNvPr id="1" name=""/>
+        <p:cNvGrpSpPr/>
+        <p:nvPr/>
+      </p:nvGrpSpPr>
+      <p:grpSpPr>
+        <a:xfrm>
+          <a:off x="0" y="0"/>
+          <a:ext cx="0" cy="0"/>
+          <a:chOff x="0" y="0"/>
+          <a:chExt cx="0" cy="0"/>
+        </a:xfrm>
+      </p:grpSpPr>
+      <p:sp>
+        <p:nvSpPr>
+          <p:cNvPr id="2" name="Title 1">
+            <a:extLst>
+              <a:ext uri="{FF2B5EF4-FFF2-40B4-BE49-F238E27FC236}">
                 <a16:creationId xmlns:a16="http://schemas.microsoft.com/office/drawing/2014/main" id="{5357E611-5A63-2603-C50A-D5E7347FD861}"/>
               </a:ext>
             </a:extLst>
@@ -11523,7 +11848,7 @@
 </p:sld>
 </file>
 
-<file path=ppt/slides/slide15.xml><?xml version="1.0" encoding="utf-8"?>
+<file path=ppt/slides/slide16.xml><?xml version="1.0" encoding="utf-8"?>
 <p:sld xmlns:a="http://schemas.openxmlformats.org/drawingml/2006/main" xmlns:r="http://schemas.openxmlformats.org/officeDocument/2006/relationships" xmlns:p="http://schemas.openxmlformats.org/presentationml/2006/main">
   <p:cSld>
     <p:bg>
@@ -11779,7 +12104,7 @@
 </p:sld>
 </file>
 
-<file path=ppt/slides/slide16.xml><?xml version="1.0" encoding="utf-8"?>
+<file path=ppt/slides/slide17.xml><?xml version="1.0" encoding="utf-8"?>
 <p:sld xmlns:a="http://schemas.openxmlformats.org/drawingml/2006/main" xmlns:r="http://schemas.openxmlformats.org/officeDocument/2006/relationships" xmlns:p="http://schemas.openxmlformats.org/presentationml/2006/main">
   <p:cSld>
     <p:bg>
@@ -12058,7 +12383,7 @@
 </p:sld>
 </file>
 
-<file path=ppt/slides/slide17.xml><?xml version="1.0" encoding="utf-8"?>
+<file path=ppt/slides/slide18.xml><?xml version="1.0" encoding="utf-8"?>
 <p:sld xmlns:a="http://schemas.openxmlformats.org/drawingml/2006/main" xmlns:r="http://schemas.openxmlformats.org/officeDocument/2006/relationships" xmlns:p="http://schemas.openxmlformats.org/presentationml/2006/main">
   <p:cSld>
     <p:bg>
@@ -12331,7 +12656,7 @@
 </p:sld>
 </file>
 
-<file path=ppt/slides/slide18.xml><?xml version="1.0" encoding="utf-8"?>
+<file path=ppt/slides/slide19.xml><?xml version="1.0" encoding="utf-8"?>
 <p:sld xmlns:a="http://schemas.openxmlformats.org/drawingml/2006/main" xmlns:r="http://schemas.openxmlformats.org/officeDocument/2006/relationships" xmlns:p="http://schemas.openxmlformats.org/presentationml/2006/main">
   <p:cSld>
     <p:bg>
@@ -12610,160 +12935,6 @@
     <p:extLst>
       <p:ext uri="{BB962C8B-B14F-4D97-AF65-F5344CB8AC3E}">
         <p14:creationId xmlns:p14="http://schemas.microsoft.com/office/powerpoint/2010/main" val="681587511"/>
-      </p:ext>
-    </p:extLst>
-  </p:cSld>
-  <p:clrMapOvr>
-    <a:masterClrMapping/>
-  </p:clrMapOvr>
-</p:sld>
-</file>
-
-<file path=ppt/slides/slide19.xml><?xml version="1.0" encoding="utf-8"?>
-<p:sld xmlns:a="http://schemas.openxmlformats.org/drawingml/2006/main" xmlns:r="http://schemas.openxmlformats.org/officeDocument/2006/relationships" xmlns:p="http://schemas.openxmlformats.org/presentationml/2006/main">
-  <p:cSld>
-    <p:spTree>
-      <p:nvGrpSpPr>
-        <p:cNvPr id="1" name=""/>
-        <p:cNvGrpSpPr/>
-        <p:nvPr/>
-      </p:nvGrpSpPr>
-      <p:grpSpPr>
-        <a:xfrm>
-          <a:off x="0" y="0"/>
-          <a:ext cx="0" cy="0"/>
-          <a:chOff x="0" y="0"/>
-          <a:chExt cx="0" cy="0"/>
-        </a:xfrm>
-      </p:grpSpPr>
-      <p:sp>
-        <p:nvSpPr>
-          <p:cNvPr id="2" name="Title 1">
-            <a:extLst>
-              <a:ext uri="{FF2B5EF4-FFF2-40B4-BE49-F238E27FC236}">
-                <a16:creationId xmlns:a16="http://schemas.microsoft.com/office/drawing/2014/main" id="{D4FF854C-63FB-6B0F-62A8-E85321FB961A}"/>
-              </a:ext>
-            </a:extLst>
-          </p:cNvPr>
-          <p:cNvSpPr>
-            <a:spLocks noGrp="1"/>
-          </p:cNvSpPr>
-          <p:nvPr>
-            <p:ph type="title"/>
-          </p:nvPr>
-        </p:nvSpPr>
-        <p:spPr/>
-        <p:txBody>
-          <a:bodyPr/>
-          <a:lstStyle/>
-          <a:p>
-            <a:r>
-              <a:rPr lang="en-US" dirty="0"/>
-              <a:t>My pseudo code (lazy)</a:t>
-            </a:r>
-          </a:p>
-        </p:txBody>
-      </p:sp>
-      <p:sp>
-        <p:nvSpPr>
-          <p:cNvPr id="3" name="Content Placeholder 2">
-            <a:extLst>
-              <a:ext uri="{FF2B5EF4-FFF2-40B4-BE49-F238E27FC236}">
-                <a16:creationId xmlns:a16="http://schemas.microsoft.com/office/drawing/2014/main" id="{A07D799D-324D-53C4-B21F-647ECC45BB69}"/>
-              </a:ext>
-            </a:extLst>
-          </p:cNvPr>
-          <p:cNvSpPr>
-            <a:spLocks noGrp="1"/>
-          </p:cNvSpPr>
-          <p:nvPr>
-            <p:ph idx="1"/>
-          </p:nvPr>
-        </p:nvSpPr>
-        <p:spPr/>
-        <p:txBody>
-          <a:bodyPr>
-            <a:normAutofit/>
-          </a:bodyPr>
-          <a:lstStyle/>
-          <a:p>
-            <a:pPr marL="0" indent="0">
-              <a:buNone/>
-            </a:pPr>
-            <a:r>
-              <a:rPr lang="en-US" sz="3600" dirty="0"/>
-              <a:t>Player: choose rock paper scissor</a:t>
-            </a:r>
-          </a:p>
-          <a:p>
-            <a:pPr marL="0" indent="0">
-              <a:buNone/>
-            </a:pPr>
-            <a:r>
-              <a:rPr lang="en-US" sz="3600" dirty="0"/>
-              <a:t>Computer: random generate rock paper scissor </a:t>
-            </a:r>
-          </a:p>
-          <a:p>
-            <a:pPr marL="0" indent="0">
-              <a:buNone/>
-            </a:pPr>
-            <a:r>
-              <a:rPr lang="en-US" sz="3600" dirty="0"/>
-              <a:t>Compare P &amp; C </a:t>
-            </a:r>
-          </a:p>
-          <a:p>
-            <a:pPr marL="457200" lvl="1" indent="0">
-              <a:buNone/>
-            </a:pPr>
-            <a:r>
-              <a:rPr lang="en-US" sz="3200" dirty="0"/>
-              <a:t>If P = Rock </a:t>
-            </a:r>
-          </a:p>
-          <a:p>
-            <a:pPr marL="914400" lvl="2" indent="0">
-              <a:buNone/>
-            </a:pPr>
-            <a:r>
-              <a:rPr lang="en-US" sz="2800" dirty="0"/>
-              <a:t>And C = Rock: tie </a:t>
-            </a:r>
-          </a:p>
-          <a:p>
-            <a:pPr marL="914400" lvl="2" indent="0">
-              <a:buNone/>
-            </a:pPr>
-            <a:r>
-              <a:rPr lang="en-US" sz="2800" dirty="0"/>
-              <a:t>And C = paper: player loses </a:t>
-            </a:r>
-          </a:p>
-          <a:p>
-            <a:pPr marL="914400" lvl="2" indent="0">
-              <a:buNone/>
-            </a:pPr>
-            <a:r>
-              <a:rPr lang="en-US" sz="2800" dirty="0"/>
-              <a:t>And C = scissors: player wins</a:t>
-            </a:r>
-          </a:p>
-          <a:p>
-            <a:pPr marL="457200" lvl="1" indent="0">
-              <a:buNone/>
-            </a:pPr>
-            <a:r>
-              <a:rPr lang="en-US" sz="3200" dirty="0"/>
-              <a:t>Same for if P = paper and P = Scissors </a:t>
-            </a:r>
-          </a:p>
-        </p:txBody>
-      </p:sp>
-    </p:spTree>
-    <p:extLst>
-      <p:ext uri="{BB962C8B-B14F-4D97-AF65-F5344CB8AC3E}">
-        <p14:creationId xmlns:p14="http://schemas.microsoft.com/office/powerpoint/2010/main" val="1564238566"/>
       </p:ext>
     </p:extLst>
   </p:cSld>
@@ -13037,6 +13208,160 @@
           <p:cNvPr id="2" name="Title 1">
             <a:extLst>
               <a:ext uri="{FF2B5EF4-FFF2-40B4-BE49-F238E27FC236}">
+                <a16:creationId xmlns:a16="http://schemas.microsoft.com/office/drawing/2014/main" id="{D4FF854C-63FB-6B0F-62A8-E85321FB961A}"/>
+              </a:ext>
+            </a:extLst>
+          </p:cNvPr>
+          <p:cNvSpPr>
+            <a:spLocks noGrp="1"/>
+          </p:cNvSpPr>
+          <p:nvPr>
+            <p:ph type="title"/>
+          </p:nvPr>
+        </p:nvSpPr>
+        <p:spPr/>
+        <p:txBody>
+          <a:bodyPr/>
+          <a:lstStyle/>
+          <a:p>
+            <a:r>
+              <a:rPr lang="en-US" dirty="0"/>
+              <a:t>My pseudo code (lazy)</a:t>
+            </a:r>
+          </a:p>
+        </p:txBody>
+      </p:sp>
+      <p:sp>
+        <p:nvSpPr>
+          <p:cNvPr id="3" name="Content Placeholder 2">
+            <a:extLst>
+              <a:ext uri="{FF2B5EF4-FFF2-40B4-BE49-F238E27FC236}">
+                <a16:creationId xmlns:a16="http://schemas.microsoft.com/office/drawing/2014/main" id="{A07D799D-324D-53C4-B21F-647ECC45BB69}"/>
+              </a:ext>
+            </a:extLst>
+          </p:cNvPr>
+          <p:cNvSpPr>
+            <a:spLocks noGrp="1"/>
+          </p:cNvSpPr>
+          <p:nvPr>
+            <p:ph idx="1"/>
+          </p:nvPr>
+        </p:nvSpPr>
+        <p:spPr/>
+        <p:txBody>
+          <a:bodyPr>
+            <a:normAutofit/>
+          </a:bodyPr>
+          <a:lstStyle/>
+          <a:p>
+            <a:pPr marL="0" indent="0">
+              <a:buNone/>
+            </a:pPr>
+            <a:r>
+              <a:rPr lang="en-US" sz="3600" dirty="0"/>
+              <a:t>Player: choose rock paper scissor</a:t>
+            </a:r>
+          </a:p>
+          <a:p>
+            <a:pPr marL="0" indent="0">
+              <a:buNone/>
+            </a:pPr>
+            <a:r>
+              <a:rPr lang="en-US" sz="3600" dirty="0"/>
+              <a:t>Computer: random generate rock paper scissor </a:t>
+            </a:r>
+          </a:p>
+          <a:p>
+            <a:pPr marL="0" indent="0">
+              <a:buNone/>
+            </a:pPr>
+            <a:r>
+              <a:rPr lang="en-US" sz="3600" dirty="0"/>
+              <a:t>Compare P &amp; C </a:t>
+            </a:r>
+          </a:p>
+          <a:p>
+            <a:pPr marL="457200" lvl="1" indent="0">
+              <a:buNone/>
+            </a:pPr>
+            <a:r>
+              <a:rPr lang="en-US" sz="3200" dirty="0"/>
+              <a:t>If P = Rock </a:t>
+            </a:r>
+          </a:p>
+          <a:p>
+            <a:pPr marL="914400" lvl="2" indent="0">
+              <a:buNone/>
+            </a:pPr>
+            <a:r>
+              <a:rPr lang="en-US" sz="2800" dirty="0"/>
+              <a:t>And C = Rock: tie </a:t>
+            </a:r>
+          </a:p>
+          <a:p>
+            <a:pPr marL="914400" lvl="2" indent="0">
+              <a:buNone/>
+            </a:pPr>
+            <a:r>
+              <a:rPr lang="en-US" sz="2800" dirty="0"/>
+              <a:t>And C = paper: player loses </a:t>
+            </a:r>
+          </a:p>
+          <a:p>
+            <a:pPr marL="914400" lvl="2" indent="0">
+              <a:buNone/>
+            </a:pPr>
+            <a:r>
+              <a:rPr lang="en-US" sz="2800" dirty="0"/>
+              <a:t>And C = scissors: player wins</a:t>
+            </a:r>
+          </a:p>
+          <a:p>
+            <a:pPr marL="457200" lvl="1" indent="0">
+              <a:buNone/>
+            </a:pPr>
+            <a:r>
+              <a:rPr lang="en-US" sz="3200" dirty="0"/>
+              <a:t>Same for if P = paper and P = Scissors </a:t>
+            </a:r>
+          </a:p>
+        </p:txBody>
+      </p:sp>
+    </p:spTree>
+    <p:extLst>
+      <p:ext uri="{BB962C8B-B14F-4D97-AF65-F5344CB8AC3E}">
+        <p14:creationId xmlns:p14="http://schemas.microsoft.com/office/powerpoint/2010/main" val="1564238566"/>
+      </p:ext>
+    </p:extLst>
+  </p:cSld>
+  <p:clrMapOvr>
+    <a:masterClrMapping/>
+  </p:clrMapOvr>
+</p:sld>
+</file>
+
+<file path=ppt/slides/slide21.xml><?xml version="1.0" encoding="utf-8"?>
+<p:sld xmlns:a="http://schemas.openxmlformats.org/drawingml/2006/main" xmlns:r="http://schemas.openxmlformats.org/officeDocument/2006/relationships" xmlns:p="http://schemas.openxmlformats.org/presentationml/2006/main">
+  <p:cSld>
+    <p:spTree>
+      <p:nvGrpSpPr>
+        <p:cNvPr id="1" name=""/>
+        <p:cNvGrpSpPr/>
+        <p:nvPr/>
+      </p:nvGrpSpPr>
+      <p:grpSpPr>
+        <a:xfrm>
+          <a:off x="0" y="0"/>
+          <a:ext cx="0" cy="0"/>
+          <a:chOff x="0" y="0"/>
+          <a:chExt cx="0" cy="0"/>
+        </a:xfrm>
+      </p:grpSpPr>
+      <p:sp>
+        <p:nvSpPr>
+          <p:cNvPr id="2" name="Title 1">
+            <a:extLst>
+              <a:ext uri="{FF2B5EF4-FFF2-40B4-BE49-F238E27FC236}">
                 <a16:creationId xmlns:a16="http://schemas.microsoft.com/office/drawing/2014/main" id="{9B1FE310-0472-AF42-56B0-13C5D4684F02}"/>
               </a:ext>
             </a:extLst>
@@ -13300,7 +13625,7 @@
 </p:sld>
 </file>
 
-<file path=ppt/slides/slide21.xml><?xml version="1.0" encoding="utf-8"?>
+<file path=ppt/slides/slide22.xml><?xml version="1.0" encoding="utf-8"?>
 <p:sld xmlns:a="http://schemas.openxmlformats.org/drawingml/2006/main" xmlns:r="http://schemas.openxmlformats.org/officeDocument/2006/relationships" xmlns:p="http://schemas.openxmlformats.org/presentationml/2006/main">
   <p:cSld>
     <p:spTree>
@@ -13417,146 +13742,6 @@
 </p:sld>
 </file>
 
-<file path=ppt/slides/slide22.xml><?xml version="1.0" encoding="utf-8"?>
-<p:sld xmlns:a="http://schemas.openxmlformats.org/drawingml/2006/main" xmlns:r="http://schemas.openxmlformats.org/officeDocument/2006/relationships" xmlns:p="http://schemas.openxmlformats.org/presentationml/2006/main">
-  <p:cSld>
-    <p:spTree>
-      <p:nvGrpSpPr>
-        <p:cNvPr id="1" name=""/>
-        <p:cNvGrpSpPr/>
-        <p:nvPr/>
-      </p:nvGrpSpPr>
-      <p:grpSpPr>
-        <a:xfrm>
-          <a:off x="0" y="0"/>
-          <a:ext cx="0" cy="0"/>
-          <a:chOff x="0" y="0"/>
-          <a:chExt cx="0" cy="0"/>
-        </a:xfrm>
-      </p:grpSpPr>
-      <p:sp>
-        <p:nvSpPr>
-          <p:cNvPr id="2" name="Title 1">
-            <a:extLst>
-              <a:ext uri="{FF2B5EF4-FFF2-40B4-BE49-F238E27FC236}">
-                <a16:creationId xmlns:a16="http://schemas.microsoft.com/office/drawing/2014/main" id="{53C9C693-F97B-2AC1-683B-D57AE84360B9}"/>
-              </a:ext>
-            </a:extLst>
-          </p:cNvPr>
-          <p:cNvSpPr>
-            <a:spLocks noGrp="1"/>
-          </p:cNvSpPr>
-          <p:nvPr>
-            <p:ph type="title"/>
-          </p:nvPr>
-        </p:nvSpPr>
-        <p:spPr/>
-        <p:txBody>
-          <a:bodyPr/>
-          <a:lstStyle/>
-          <a:p>
-            <a:r>
-              <a:rPr lang="en-US" dirty="0"/>
-              <a:t>Couple of notes on writing, debugging code </a:t>
-            </a:r>
-          </a:p>
-        </p:txBody>
-      </p:sp>
-      <p:sp>
-        <p:nvSpPr>
-          <p:cNvPr id="3" name="Content Placeholder 2">
-            <a:extLst>
-              <a:ext uri="{FF2B5EF4-FFF2-40B4-BE49-F238E27FC236}">
-                <a16:creationId xmlns:a16="http://schemas.microsoft.com/office/drawing/2014/main" id="{E5E1286B-B925-066A-6ABA-79DE5A3B4933}"/>
-              </a:ext>
-            </a:extLst>
-          </p:cNvPr>
-          <p:cNvSpPr>
-            <a:spLocks noGrp="1"/>
-          </p:cNvSpPr>
-          <p:nvPr>
-            <p:ph idx="1"/>
-          </p:nvPr>
-        </p:nvSpPr>
-        <p:spPr/>
-        <p:txBody>
-          <a:bodyPr>
-            <a:normAutofit/>
-          </a:bodyPr>
-          <a:lstStyle/>
-          <a:p>
-            <a:r>
-              <a:rPr lang="en-US" dirty="0"/>
-              <a:t>“I minored in stack overflow”</a:t>
-            </a:r>
-          </a:p>
-          <a:p>
-            <a:r>
-              <a:rPr lang="en-US" dirty="0"/>
-              <a:t>I still have to look things up constantly</a:t>
-            </a:r>
-          </a:p>
-          <a:p>
-            <a:r>
-              <a:rPr lang="en-US" dirty="0"/>
-              <a:t>Knowing programming makes me better at: </a:t>
-            </a:r>
-          </a:p>
-          <a:p>
-            <a:pPr lvl="1"/>
-            <a:r>
-              <a:rPr lang="en-US" dirty="0"/>
-              <a:t>Defining problems </a:t>
-            </a:r>
-          </a:p>
-          <a:p>
-            <a:pPr lvl="1"/>
-            <a:r>
-              <a:rPr lang="en-US" dirty="0"/>
-              <a:t>Developing solution strategies </a:t>
-            </a:r>
-          </a:p>
-          <a:p>
-            <a:pPr lvl="1"/>
-            <a:r>
-              <a:rPr lang="en-US" dirty="0"/>
-              <a:t>Solving harder and harder problems</a:t>
-            </a:r>
-          </a:p>
-          <a:p>
-            <a:r>
-              <a:rPr lang="en-US" dirty="0"/>
-              <a:t>Documentation, Google, Stack Overflow, and ChatGPT can help you from there</a:t>
-            </a:r>
-          </a:p>
-          <a:p>
-            <a:pPr lvl="1"/>
-            <a:r>
-              <a:rPr lang="en-US" dirty="0"/>
-              <a:t>But if you don’t know how to define and solve problems, you won’t be able to take full advantage of these aids</a:t>
-            </a:r>
-          </a:p>
-          <a:p>
-            <a:pPr marL="457200" lvl="1" indent="0">
-              <a:buNone/>
-            </a:pPr>
-            <a:endParaRPr lang="en-US" dirty="0"/>
-          </a:p>
-        </p:txBody>
-      </p:sp>
-    </p:spTree>
-    <p:extLst>
-      <p:ext uri="{BB962C8B-B14F-4D97-AF65-F5344CB8AC3E}">
-        <p14:creationId xmlns:p14="http://schemas.microsoft.com/office/powerpoint/2010/main" val="65106701"/>
-      </p:ext>
-    </p:extLst>
-  </p:cSld>
-  <p:clrMapOvr>
-    <a:masterClrMapping/>
-  </p:clrMapOvr>
-</p:sld>
-</file>
-
 <file path=ppt/slides/slide23.xml><?xml version="1.0" encoding="utf-8"?>
 <p:sld xmlns:a="http://schemas.openxmlformats.org/drawingml/2006/main" xmlns:r="http://schemas.openxmlformats.org/officeDocument/2006/relationships" xmlns:p="http://schemas.openxmlformats.org/presentationml/2006/main">
   <p:cSld>
@@ -13673,19 +13858,7 @@
             <a:pPr lvl="1"/>
             <a:r>
               <a:rPr lang="en-US" dirty="0"/>
-              <a:t>But if you don’t know how to </a:t>
-            </a:r>
-            <a:r>
-              <a:rPr lang="en-US" dirty="0">
-                <a:solidFill>
-                  <a:srgbClr val="FF0000"/>
-                </a:solidFill>
-              </a:rPr>
-              <a:t>define and solve problems</a:t>
-            </a:r>
-            <a:r>
-              <a:rPr lang="en-US" dirty="0"/>
-              <a:t>, you won’t be able to take full advantage of these aids</a:t>
+              <a:t>But if you don’t know how to define and solve problems, you won’t be able to take full advantage of these aids</a:t>
             </a:r>
           </a:p>
           <a:p>
@@ -13699,7 +13872,7 @@
     </p:spTree>
     <p:extLst>
       <p:ext uri="{BB962C8B-B14F-4D97-AF65-F5344CB8AC3E}">
-        <p14:creationId xmlns:p14="http://schemas.microsoft.com/office/powerpoint/2010/main" val="4116253758"/>
+        <p14:creationId xmlns:p14="http://schemas.microsoft.com/office/powerpoint/2010/main" val="65106701"/>
       </p:ext>
     </p:extLst>
   </p:cSld>
@@ -13731,6 +13904,158 @@
           <p:cNvPr id="2" name="Title 1">
             <a:extLst>
               <a:ext uri="{FF2B5EF4-FFF2-40B4-BE49-F238E27FC236}">
+                <a16:creationId xmlns:a16="http://schemas.microsoft.com/office/drawing/2014/main" id="{53C9C693-F97B-2AC1-683B-D57AE84360B9}"/>
+              </a:ext>
+            </a:extLst>
+          </p:cNvPr>
+          <p:cNvSpPr>
+            <a:spLocks noGrp="1"/>
+          </p:cNvSpPr>
+          <p:nvPr>
+            <p:ph type="title"/>
+          </p:nvPr>
+        </p:nvSpPr>
+        <p:spPr/>
+        <p:txBody>
+          <a:bodyPr/>
+          <a:lstStyle/>
+          <a:p>
+            <a:r>
+              <a:rPr lang="en-US" dirty="0"/>
+              <a:t>Couple of notes on writing, debugging code </a:t>
+            </a:r>
+          </a:p>
+        </p:txBody>
+      </p:sp>
+      <p:sp>
+        <p:nvSpPr>
+          <p:cNvPr id="3" name="Content Placeholder 2">
+            <a:extLst>
+              <a:ext uri="{FF2B5EF4-FFF2-40B4-BE49-F238E27FC236}">
+                <a16:creationId xmlns:a16="http://schemas.microsoft.com/office/drawing/2014/main" id="{E5E1286B-B925-066A-6ABA-79DE5A3B4933}"/>
+              </a:ext>
+            </a:extLst>
+          </p:cNvPr>
+          <p:cNvSpPr>
+            <a:spLocks noGrp="1"/>
+          </p:cNvSpPr>
+          <p:nvPr>
+            <p:ph idx="1"/>
+          </p:nvPr>
+        </p:nvSpPr>
+        <p:spPr/>
+        <p:txBody>
+          <a:bodyPr>
+            <a:normAutofit/>
+          </a:bodyPr>
+          <a:lstStyle/>
+          <a:p>
+            <a:r>
+              <a:rPr lang="en-US" dirty="0"/>
+              <a:t>“I minored in stack overflow”</a:t>
+            </a:r>
+          </a:p>
+          <a:p>
+            <a:r>
+              <a:rPr lang="en-US" dirty="0"/>
+              <a:t>I still have to look things up constantly</a:t>
+            </a:r>
+          </a:p>
+          <a:p>
+            <a:r>
+              <a:rPr lang="en-US" dirty="0"/>
+              <a:t>Knowing programming makes me better at: </a:t>
+            </a:r>
+          </a:p>
+          <a:p>
+            <a:pPr lvl="1"/>
+            <a:r>
+              <a:rPr lang="en-US" dirty="0"/>
+              <a:t>Defining problems </a:t>
+            </a:r>
+          </a:p>
+          <a:p>
+            <a:pPr lvl="1"/>
+            <a:r>
+              <a:rPr lang="en-US" dirty="0"/>
+              <a:t>Developing solution strategies </a:t>
+            </a:r>
+          </a:p>
+          <a:p>
+            <a:pPr lvl="1"/>
+            <a:r>
+              <a:rPr lang="en-US" dirty="0"/>
+              <a:t>Solving harder and harder problems</a:t>
+            </a:r>
+          </a:p>
+          <a:p>
+            <a:r>
+              <a:rPr lang="en-US" dirty="0"/>
+              <a:t>Documentation, Google, Stack Overflow, and ChatGPT can help you from there</a:t>
+            </a:r>
+          </a:p>
+          <a:p>
+            <a:pPr lvl="1"/>
+            <a:r>
+              <a:rPr lang="en-US" dirty="0"/>
+              <a:t>But if you don’t know how to </a:t>
+            </a:r>
+            <a:r>
+              <a:rPr lang="en-US" dirty="0">
+                <a:solidFill>
+                  <a:srgbClr val="FF0000"/>
+                </a:solidFill>
+              </a:rPr>
+              <a:t>define and solve problems</a:t>
+            </a:r>
+            <a:r>
+              <a:rPr lang="en-US" dirty="0"/>
+              <a:t>, you won’t be able to take full advantage of these aids</a:t>
+            </a:r>
+          </a:p>
+          <a:p>
+            <a:pPr marL="457200" lvl="1" indent="0">
+              <a:buNone/>
+            </a:pPr>
+            <a:endParaRPr lang="en-US" dirty="0"/>
+          </a:p>
+        </p:txBody>
+      </p:sp>
+    </p:spTree>
+    <p:extLst>
+      <p:ext uri="{BB962C8B-B14F-4D97-AF65-F5344CB8AC3E}">
+        <p14:creationId xmlns:p14="http://schemas.microsoft.com/office/powerpoint/2010/main" val="4116253758"/>
+      </p:ext>
+    </p:extLst>
+  </p:cSld>
+  <p:clrMapOvr>
+    <a:masterClrMapping/>
+  </p:clrMapOvr>
+</p:sld>
+</file>
+
+<file path=ppt/slides/slide25.xml><?xml version="1.0" encoding="utf-8"?>
+<p:sld xmlns:a="http://schemas.openxmlformats.org/drawingml/2006/main" xmlns:r="http://schemas.openxmlformats.org/officeDocument/2006/relationships" xmlns:p="http://schemas.openxmlformats.org/presentationml/2006/main">
+  <p:cSld>
+    <p:spTree>
+      <p:nvGrpSpPr>
+        <p:cNvPr id="1" name=""/>
+        <p:cNvGrpSpPr/>
+        <p:nvPr/>
+      </p:nvGrpSpPr>
+      <p:grpSpPr>
+        <a:xfrm>
+          <a:off x="0" y="0"/>
+          <a:ext cx="0" cy="0"/>
+          <a:chOff x="0" y="0"/>
+          <a:chExt cx="0" cy="0"/>
+        </a:xfrm>
+      </p:grpSpPr>
+      <p:sp>
+        <p:nvSpPr>
+          <p:cNvPr id="2" name="Title 1">
+            <a:extLst>
+              <a:ext uri="{FF2B5EF4-FFF2-40B4-BE49-F238E27FC236}">
                 <a16:creationId xmlns:a16="http://schemas.microsoft.com/office/drawing/2014/main" id="{E5C64616-0918-50D6-FC39-34CE4D4A05FB}"/>
               </a:ext>
             </a:extLst>
@@ -13820,7 +14145,7 @@
 </p:sld>
 </file>
 
-<file path=ppt/slides/slide25.xml><?xml version="1.0" encoding="utf-8"?>
+<file path=ppt/slides/slide26.xml><?xml version="1.0" encoding="utf-8"?>
 <p:sld xmlns:a="http://schemas.openxmlformats.org/drawingml/2006/main" xmlns:r="http://schemas.openxmlformats.org/officeDocument/2006/relationships" xmlns:p="http://schemas.openxmlformats.org/presentationml/2006/main">
   <p:cSld>
     <p:bg>
@@ -14704,7 +15029,7 @@
           <p:cNvPr id="2" name="Title 1">
             <a:extLst>
               <a:ext uri="{FF2B5EF4-FFF2-40B4-BE49-F238E27FC236}">
-                <a16:creationId xmlns:a16="http://schemas.microsoft.com/office/drawing/2014/main" id="{A00D4DED-3338-4DE3-CB3C-EBEA8A909279}"/>
+                <a16:creationId xmlns:a16="http://schemas.microsoft.com/office/drawing/2014/main" id="{403C7E78-F896-8C4A-C23E-C10AA29C0743}"/>
               </a:ext>
             </a:extLst>
           </p:cNvPr>
@@ -14722,7 +15047,7 @@
           <a:p>
             <a:r>
               <a:rPr lang="en-US" dirty="0"/>
-              <a:t>Logistics</a:t>
+              <a:t>Goal of next three days</a:t>
             </a:r>
           </a:p>
         </p:txBody>
@@ -14732,7 +15057,7 @@
           <p:cNvPr id="3" name="Content Placeholder 2">
             <a:extLst>
               <a:ext uri="{FF2B5EF4-FFF2-40B4-BE49-F238E27FC236}">
-                <a16:creationId xmlns:a16="http://schemas.microsoft.com/office/drawing/2014/main" id="{CC3FA9D9-114A-48D0-B97F-FF077BC95D14}"/>
+                <a16:creationId xmlns:a16="http://schemas.microsoft.com/office/drawing/2014/main" id="{F6380646-7795-1937-9FB4-DAE2F45D3001}"/>
               </a:ext>
             </a:extLst>
           </p:cNvPr>
@@ -14740,100 +15065,77 @@
             <a:spLocks noGrp="1"/>
           </p:cNvSpPr>
           <p:nvPr>
-            <p:ph sz="half" idx="1"/>
-          </p:nvPr>
-        </p:nvSpPr>
-        <p:spPr>
-          <a:xfrm>
-            <a:off x="838200" y="1825625"/>
-            <a:ext cx="10424532" cy="4351338"/>
-          </a:xfrm>
-        </p:spPr>
+            <p:ph idx="1"/>
+          </p:nvPr>
+        </p:nvSpPr>
+        <p:spPr/>
         <p:txBody>
-          <a:bodyPr>
-            <a:normAutofit lnSpcReduction="10000"/>
-          </a:bodyPr>
+          <a:bodyPr/>
           <a:lstStyle/>
           <a:p>
             <a:r>
               <a:rPr lang="en-US" dirty="0"/>
-              <a:t>9:30am to ~noon</a:t>
+              <a:t>Rid the intimidation factor </a:t>
+            </a:r>
+          </a:p>
+          <a:p>
+            <a:r>
+              <a:rPr lang="en-US" dirty="0"/>
+              <a:t>Build a foundation for other classes and opportunities to build on</a:t>
+            </a:r>
+          </a:p>
+          <a:p>
+            <a:r>
+              <a:rPr lang="en-US" dirty="0"/>
+              <a:t>Accelerate the initial learning curve </a:t>
             </a:r>
           </a:p>
           <a:p>
             <a:pPr lvl="1"/>
             <a:r>
               <a:rPr lang="en-US" dirty="0"/>
-              <a:t>Two 60 to 80-minute lectures per day </a:t>
+              <a:t>I tried to build what I wish I had</a:t>
+            </a:r>
+          </a:p>
+          <a:p>
+            <a:endParaRPr lang="en-US" dirty="0"/>
+          </a:p>
+          <a:p>
+            <a:r>
+              <a:rPr lang="en-US" dirty="0"/>
+              <a:t>Advice: Ask questions </a:t>
             </a:r>
           </a:p>
           <a:p>
             <a:pPr lvl="1"/>
             <a:r>
               <a:rPr lang="en-US" dirty="0"/>
-              <a:t>30 min break between</a:t>
+              <a:t>Believe that you’re entitled to learn everything the next three days has to offer</a:t>
             </a:r>
           </a:p>
           <a:p>
             <a:pPr lvl="1"/>
             <a:r>
               <a:rPr lang="en-US" dirty="0"/>
-              <a:t>Lunch!</a:t>
-            </a:r>
-          </a:p>
-          <a:p>
-            <a:r>
-              <a:rPr lang="en-US" dirty="0"/>
-              <a:t>A mini problem set every day</a:t>
-            </a:r>
+              <a:t> Even when you don’t know how to say it</a:t>
+            </a:r>
+          </a:p>
+          <a:p>
+            <a:endParaRPr lang="en-US" dirty="0"/>
           </a:p>
           <a:p>
             <a:pPr lvl="1"/>
-            <a:r>
-              <a:rPr lang="en-US" dirty="0"/>
-              <a:t>Not graded, but Eliana providing some feedback</a:t>
-            </a:r>
-          </a:p>
-          <a:p>
-            <a:pPr lvl="1"/>
-            <a:r>
-              <a:rPr lang="en-US" dirty="0"/>
-              <a:t>I will release my code at 8pm</a:t>
-            </a:r>
-          </a:p>
-          <a:p>
-            <a:r>
-              <a:rPr lang="en-US" dirty="0"/>
-              <a:t>Office hours </a:t>
-            </a:r>
-          </a:p>
-          <a:p>
-            <a:pPr lvl="1"/>
-            <a:r>
-              <a:rPr lang="en-US" dirty="0"/>
-              <a:t>Location: 301 Prospect St, room 101</a:t>
-            </a:r>
-          </a:p>
-          <a:p>
-            <a:pPr lvl="1"/>
-            <a:r>
-              <a:rPr lang="en-US" dirty="0"/>
-              <a:t>Time: 2 – 5 pm </a:t>
-            </a:r>
-          </a:p>
-          <a:p>
-            <a:pPr lvl="1"/>
-            <a:r>
-              <a:rPr lang="en-US" dirty="0"/>
-              <a:t>Come to OH (even if you don’t know how to ask your question)!</a:t>
-            </a:r>
+            <a:endParaRPr lang="en-US" dirty="0"/>
+          </a:p>
+          <a:p>
+            <a:endParaRPr lang="en-US" dirty="0"/>
           </a:p>
         </p:txBody>
       </p:sp>
     </p:spTree>
     <p:extLst>
       <p:ext uri="{BB962C8B-B14F-4D97-AF65-F5344CB8AC3E}">
-        <p14:creationId xmlns:p14="http://schemas.microsoft.com/office/powerpoint/2010/main" val="4286957642"/>
+        <p14:creationId xmlns:p14="http://schemas.microsoft.com/office/powerpoint/2010/main" val="4111070547"/>
       </p:ext>
     </p:extLst>
   </p:cSld>
@@ -14865,7 +15167,7 @@
           <p:cNvPr id="2" name="Title 1">
             <a:extLst>
               <a:ext uri="{FF2B5EF4-FFF2-40B4-BE49-F238E27FC236}">
-                <a16:creationId xmlns:a16="http://schemas.microsoft.com/office/drawing/2014/main" id="{C9E8DC56-D288-1047-7CDF-D4E14E626733}"/>
+                <a16:creationId xmlns:a16="http://schemas.microsoft.com/office/drawing/2014/main" id="{A00D4DED-3338-4DE3-CB3C-EBEA8A909279}"/>
               </a:ext>
             </a:extLst>
           </p:cNvPr>
@@ -14883,17 +15185,17 @@
           <a:p>
             <a:r>
               <a:rPr lang="en-US" dirty="0"/>
-              <a:t>Outline of Material</a:t>
+              <a:t>Logistics</a:t>
             </a:r>
           </a:p>
         </p:txBody>
       </p:sp>
       <p:sp>
         <p:nvSpPr>
-          <p:cNvPr id="5" name="Content Placeholder 3">
+          <p:cNvPr id="3" name="Content Placeholder 2">
             <a:extLst>
               <a:ext uri="{FF2B5EF4-FFF2-40B4-BE49-F238E27FC236}">
-                <a16:creationId xmlns:a16="http://schemas.microsoft.com/office/drawing/2014/main" id="{F173B2D6-A727-3679-6A2D-2BFDFA6BEB00}"/>
+                <a16:creationId xmlns:a16="http://schemas.microsoft.com/office/drawing/2014/main" id="{CC3FA9D9-114A-48D0-B97F-FF077BC95D14}"/>
               </a:ext>
             </a:extLst>
           </p:cNvPr>
@@ -14907,110 +15209,94 @@
         <p:spPr>
           <a:xfrm>
             <a:off x="838200" y="1825625"/>
-            <a:ext cx="10357624" cy="4351338"/>
+            <a:ext cx="10424532" cy="4351338"/>
           </a:xfrm>
         </p:spPr>
         <p:txBody>
           <a:bodyPr>
-            <a:normAutofit/>
+            <a:normAutofit lnSpcReduction="10000"/>
           </a:bodyPr>
           <a:lstStyle/>
           <a:p>
             <a:r>
               <a:rPr lang="en-US" dirty="0"/>
-              <a:t>Today</a:t>
+              <a:t>9:30am to ~noon</a:t>
             </a:r>
           </a:p>
           <a:p>
             <a:pPr lvl="1"/>
             <a:r>
               <a:rPr lang="en-US" dirty="0"/>
-              <a:t>Thinking Like a Computer (pseudo code) </a:t>
+              <a:t>Two 60 to 80-minute lectures per day </a:t>
             </a:r>
           </a:p>
           <a:p>
             <a:pPr lvl="1"/>
             <a:r>
               <a:rPr lang="en-US" dirty="0"/>
-              <a:t>Base R</a:t>
-            </a:r>
-          </a:p>
-          <a:p>
+              <a:t>30 min break between</a:t>
+            </a:r>
+          </a:p>
+          <a:p>
+            <a:pPr lvl="1"/>
             <a:r>
               <a:rPr lang="en-US" dirty="0"/>
-              <a:t>Tomorrow – </a:t>
-            </a:r>
-            <a:r>
-              <a:rPr lang="en-US" dirty="0" err="1"/>
-              <a:t>tidyverse</a:t>
-            </a:r>
+              <a:t>Lunch!</a:t>
+            </a:r>
+          </a:p>
+          <a:p>
             <a:r>
               <a:rPr lang="en-US" dirty="0"/>
-              <a:t> packages</a:t>
+              <a:t>A mini problem set every day</a:t>
             </a:r>
           </a:p>
           <a:p>
             <a:pPr lvl="1"/>
             <a:r>
               <a:rPr lang="en-US" dirty="0"/>
-              <a:t>Data manipulation (</a:t>
-            </a:r>
-            <a:r>
-              <a:rPr lang="en-US" dirty="0" err="1"/>
-              <a:t>dplyr</a:t>
-            </a:r>
+              <a:t>Not graded, but Eliana providing some feedback</a:t>
+            </a:r>
+          </a:p>
+          <a:p>
+            <a:pPr lvl="1"/>
             <a:r>
               <a:rPr lang="en-US" dirty="0"/>
-              <a:t>, </a:t>
-            </a:r>
-            <a:r>
-              <a:rPr lang="en-US" dirty="0" err="1"/>
-              <a:t>tidyr</a:t>
-            </a:r>
+              <a:t>I will release my code at 8pm</a:t>
+            </a:r>
+          </a:p>
+          <a:p>
             <a:r>
               <a:rPr lang="en-US" dirty="0"/>
-              <a:t>)</a:t>
+              <a:t>Office hours </a:t>
             </a:r>
           </a:p>
           <a:p>
             <a:pPr lvl="1"/>
             <a:r>
               <a:rPr lang="en-US" dirty="0"/>
-              <a:t>Data Management and visualization (ggplot2)</a:t>
-            </a:r>
-          </a:p>
-          <a:p>
+              <a:t>Location: 301 Prospect St, room 101</a:t>
+            </a:r>
+          </a:p>
+          <a:p>
+            <a:pPr lvl="1"/>
             <a:r>
               <a:rPr lang="en-US" dirty="0"/>
-              <a:t>Friday </a:t>
+              <a:t>Time: 2 – 5 pm </a:t>
             </a:r>
           </a:p>
           <a:p>
             <a:pPr lvl="1"/>
             <a:r>
               <a:rPr lang="en-US" dirty="0"/>
-              <a:t>Collaboration and Version Control (GitHub) </a:t>
-            </a:r>
-          </a:p>
-          <a:p>
-            <a:pPr lvl="1"/>
-            <a:r>
-              <a:rPr lang="en-US" dirty="0"/>
-              <a:t>Programming is Programming (python)</a:t>
-            </a:r>
-          </a:p>
-          <a:p>
-            <a:endParaRPr lang="en-US" dirty="0"/>
-          </a:p>
-          <a:p>
-            <a:endParaRPr lang="en-US" dirty="0"/>
+              <a:t>Come to OH (even if you don’t know how to ask your question)!</a:t>
+            </a:r>
           </a:p>
         </p:txBody>
       </p:sp>
     </p:spTree>
     <p:extLst>
       <p:ext uri="{BB962C8B-B14F-4D97-AF65-F5344CB8AC3E}">
-        <p14:creationId xmlns:p14="http://schemas.microsoft.com/office/powerpoint/2010/main" val="1916462598"/>
+        <p14:creationId xmlns:p14="http://schemas.microsoft.com/office/powerpoint/2010/main" val="4286957642"/>
       </p:ext>
     </p:extLst>
   </p:cSld>
@@ -15042,7 +15328,7 @@
           <p:cNvPr id="2" name="Title 1">
             <a:extLst>
               <a:ext uri="{FF2B5EF4-FFF2-40B4-BE49-F238E27FC236}">
-                <a16:creationId xmlns:a16="http://schemas.microsoft.com/office/drawing/2014/main" id="{5F760B70-52C8-2462-41D7-D80F94DB81C7}"/>
+                <a16:creationId xmlns:a16="http://schemas.microsoft.com/office/drawing/2014/main" id="{C9E8DC56-D288-1047-7CDF-D4E14E626733}"/>
               </a:ext>
             </a:extLst>
           </p:cNvPr>
@@ -15050,7 +15336,7 @@
             <a:spLocks noGrp="1"/>
           </p:cNvSpPr>
           <p:nvPr>
-            <p:ph type="ctrTitle"/>
+            <p:ph type="title"/>
           </p:nvPr>
         </p:nvSpPr>
         <p:spPr/>
@@ -15060,17 +15346,17 @@
           <a:p>
             <a:r>
               <a:rPr lang="en-US" dirty="0"/>
-              <a:t>Thinking Like A Computer</a:t>
+              <a:t>Outline of Material</a:t>
             </a:r>
           </a:p>
         </p:txBody>
       </p:sp>
       <p:sp>
         <p:nvSpPr>
-          <p:cNvPr id="3" name="Subtitle 2">
+          <p:cNvPr id="5" name="Content Placeholder 3">
             <a:extLst>
               <a:ext uri="{FF2B5EF4-FFF2-40B4-BE49-F238E27FC236}">
-                <a16:creationId xmlns:a16="http://schemas.microsoft.com/office/drawing/2014/main" id="{5DC2D215-B013-F668-8B30-AFD326047332}"/>
+                <a16:creationId xmlns:a16="http://schemas.microsoft.com/office/drawing/2014/main" id="{F173B2D6-A727-3679-6A2D-2BFDFA6BEB00}"/>
               </a:ext>
             </a:extLst>
           </p:cNvPr>
@@ -15078,10 +15364,15 @@
             <a:spLocks noGrp="1"/>
           </p:cNvSpPr>
           <p:nvPr>
-            <p:ph type="subTitle" idx="1"/>
-          </p:nvPr>
-        </p:nvSpPr>
-        <p:spPr/>
+            <p:ph sz="half" idx="1"/>
+          </p:nvPr>
+        </p:nvSpPr>
+        <p:spPr>
+          <a:xfrm>
+            <a:off x="838200" y="1825625"/>
+            <a:ext cx="10357624" cy="4351338"/>
+          </a:xfrm>
+        </p:spPr>
         <p:txBody>
           <a:bodyPr>
             <a:normAutofit/>
@@ -15090,32 +15381,99 @@
           <a:p>
             <a:r>
               <a:rPr lang="en-US" dirty="0"/>
-              <a:t>Skills to help you outline and (eventually) debug code</a:t>
+              <a:t>Today</a:t>
+            </a:r>
+          </a:p>
+          <a:p>
+            <a:pPr lvl="1"/>
+            <a:r>
+              <a:rPr lang="en-US" dirty="0"/>
+              <a:t>Thinking Like a Computer (pseudo code) </a:t>
+            </a:r>
+          </a:p>
+          <a:p>
+            <a:pPr lvl="1"/>
+            <a:r>
+              <a:rPr lang="en-US" dirty="0"/>
+              <a:t>Base R</a:t>
+            </a:r>
+          </a:p>
+          <a:p>
+            <a:r>
+              <a:rPr lang="en-US" dirty="0"/>
+              <a:t>Tomorrow – </a:t>
+            </a:r>
+            <a:r>
+              <a:rPr lang="en-US" dirty="0" err="1"/>
+              <a:t>tidyverse</a:t>
+            </a:r>
+            <a:r>
+              <a:rPr lang="en-US" dirty="0"/>
+              <a:t> packages</a:t>
+            </a:r>
+          </a:p>
+          <a:p>
+            <a:pPr lvl="1"/>
+            <a:r>
+              <a:rPr lang="en-US" dirty="0"/>
+              <a:t>Data manipulation (</a:t>
+            </a:r>
+            <a:r>
+              <a:rPr lang="en-US" dirty="0" err="1"/>
+              <a:t>dplyr</a:t>
+            </a:r>
+            <a:r>
+              <a:rPr lang="en-US" dirty="0"/>
+              <a:t>, </a:t>
+            </a:r>
+            <a:r>
+              <a:rPr lang="en-US" dirty="0" err="1"/>
+              <a:t>tidyr</a:t>
+            </a:r>
+            <a:r>
+              <a:rPr lang="en-US" dirty="0"/>
+              <a:t>)</a:t>
+            </a:r>
+          </a:p>
+          <a:p>
+            <a:pPr lvl="1"/>
+            <a:r>
+              <a:rPr lang="en-US" dirty="0"/>
+              <a:t>Data Management and visualization (ggplot2)</a:t>
+            </a:r>
+          </a:p>
+          <a:p>
+            <a:r>
+              <a:rPr lang="en-US" dirty="0"/>
+              <a:t>Friday </a:t>
+            </a:r>
+          </a:p>
+          <a:p>
+            <a:pPr lvl="1"/>
+            <a:r>
+              <a:rPr lang="en-US" dirty="0"/>
+              <a:t>Collaboration and Version Control (GitHub) </a:t>
+            </a:r>
+          </a:p>
+          <a:p>
+            <a:pPr lvl="1"/>
+            <a:r>
+              <a:rPr lang="en-US" dirty="0"/>
+              <a:t>Programming is Programming (python)</a:t>
             </a:r>
           </a:p>
           <a:p>
             <a:endParaRPr lang="en-US" dirty="0"/>
           </a:p>
           <a:p>
-            <a:r>
-              <a:rPr lang="en-US" sz="1800" dirty="0"/>
-              <a:t>Thanks to Ethan </a:t>
-            </a:r>
-            <a:r>
-              <a:rPr lang="en-US" sz="1800" dirty="0" err="1"/>
-              <a:t>Addicott</a:t>
-            </a:r>
-            <a:r>
-              <a:rPr lang="en-US" sz="1800" dirty="0"/>
-              <a:t> and Matt Gordon for early iterations of this lecture </a:t>
-            </a:r>
+            <a:endParaRPr lang="en-US" dirty="0"/>
           </a:p>
         </p:txBody>
       </p:sp>
     </p:spTree>
     <p:extLst>
       <p:ext uri="{BB962C8B-B14F-4D97-AF65-F5344CB8AC3E}">
-        <p14:creationId xmlns:p14="http://schemas.microsoft.com/office/powerpoint/2010/main" val="3541566093"/>
+        <p14:creationId xmlns:p14="http://schemas.microsoft.com/office/powerpoint/2010/main" val="1916462598"/>
       </p:ext>
     </p:extLst>
   </p:cSld>
@@ -15147,7 +15505,7 @@
           <p:cNvPr id="2" name="Title 1">
             <a:extLst>
               <a:ext uri="{FF2B5EF4-FFF2-40B4-BE49-F238E27FC236}">
-                <a16:creationId xmlns:a16="http://schemas.microsoft.com/office/drawing/2014/main" id="{8BC4255B-F77E-358C-EC99-ED7DE2B2661D}"/>
+                <a16:creationId xmlns:a16="http://schemas.microsoft.com/office/drawing/2014/main" id="{5F760B70-52C8-2462-41D7-D80F94DB81C7}"/>
               </a:ext>
             </a:extLst>
           </p:cNvPr>
@@ -15155,7 +15513,7 @@
             <a:spLocks noGrp="1"/>
           </p:cNvSpPr>
           <p:nvPr>
-            <p:ph type="title"/>
+            <p:ph type="ctrTitle"/>
           </p:nvPr>
         </p:nvSpPr>
         <p:spPr/>
@@ -15165,17 +15523,17 @@
           <a:p>
             <a:r>
               <a:rPr lang="en-US" dirty="0"/>
-              <a:t>What is programming </a:t>
+              <a:t>Thinking Like A Computer</a:t>
             </a:r>
           </a:p>
         </p:txBody>
       </p:sp>
       <p:sp>
         <p:nvSpPr>
-          <p:cNvPr id="3" name="Content Placeholder 2">
+          <p:cNvPr id="3" name="Subtitle 2">
             <a:extLst>
               <a:ext uri="{FF2B5EF4-FFF2-40B4-BE49-F238E27FC236}">
-                <a16:creationId xmlns:a16="http://schemas.microsoft.com/office/drawing/2014/main" id="{23224007-E4CC-6062-D9A9-552CD71E9C16}"/>
+                <a16:creationId xmlns:a16="http://schemas.microsoft.com/office/drawing/2014/main" id="{5DC2D215-B013-F668-8B30-AFD326047332}"/>
               </a:ext>
             </a:extLst>
           </p:cNvPr>
@@ -15183,72 +15541,44 @@
             <a:spLocks noGrp="1"/>
           </p:cNvSpPr>
           <p:nvPr>
-            <p:ph idx="1"/>
+            <p:ph type="subTitle" idx="1"/>
           </p:nvPr>
         </p:nvSpPr>
         <p:spPr/>
         <p:txBody>
-          <a:bodyPr/>
+          <a:bodyPr>
+            <a:normAutofit/>
+          </a:bodyPr>
           <a:lstStyle/>
           <a:p>
-            <a:pPr marL="514350" indent="-514350">
-              <a:buFont typeface="+mj-lt"/>
-              <a:buAutoNum type="arabicPeriod"/>
-            </a:pPr>
             <a:r>
               <a:rPr lang="en-US" dirty="0"/>
-              <a:t>Bits and bytes – what the computer actually speaks (0s and 1s) </a:t>
-            </a:r>
-          </a:p>
-          <a:p>
-            <a:pPr marL="514350" indent="-514350">
-              <a:buFont typeface="+mj-lt"/>
-              <a:buAutoNum type="arabicPeriod"/>
-            </a:pPr>
-            <a:r>
-              <a:rPr lang="en-US" dirty="0"/>
-              <a:t>Machine and Assembly languages -- translates our code to 0s and 1s </a:t>
-            </a:r>
-          </a:p>
-          <a:p>
-            <a:pPr marL="514350" indent="-514350">
-              <a:buFont typeface="+mj-lt"/>
-              <a:buAutoNum type="arabicPeriod"/>
-            </a:pPr>
-            <a:r>
-              <a:rPr lang="en-US" dirty="0"/>
-              <a:t>Code – R, Python, etc.</a:t>
-            </a:r>
-          </a:p>
-          <a:p>
-            <a:pPr marL="514350" indent="-514350">
-              <a:buFont typeface="+mj-lt"/>
-              <a:buAutoNum type="arabicPeriod"/>
-            </a:pPr>
-            <a:r>
-              <a:rPr lang="en-US" dirty="0"/>
-              <a:t>Software – Windows, iOS, Applications, Excel, R Studio </a:t>
-            </a:r>
-          </a:p>
-          <a:p>
-            <a:pPr marL="0" indent="0">
-              <a:buNone/>
-            </a:pPr>
+              <a:t>Skills to help you outline and (eventually) debug code</a:t>
+            </a:r>
+          </a:p>
+          <a:p>
             <a:endParaRPr lang="en-US" dirty="0"/>
           </a:p>
           <a:p>
-            <a:pPr marL="514350" indent="-514350">
-              <a:buFont typeface="+mj-lt"/>
-              <a:buAutoNum type="arabicPeriod"/>
-            </a:pPr>
-            <a:endParaRPr lang="en-US" dirty="0"/>
+            <a:r>
+              <a:rPr lang="en-US" sz="1800" dirty="0"/>
+              <a:t>Thanks to Ethan </a:t>
+            </a:r>
+            <a:r>
+              <a:rPr lang="en-US" sz="1800" dirty="0" err="1"/>
+              <a:t>Addicott</a:t>
+            </a:r>
+            <a:r>
+              <a:rPr lang="en-US" sz="1800" dirty="0"/>
+              <a:t> and Matt Gordon for early iterations of this lecture </a:t>
+            </a:r>
           </a:p>
         </p:txBody>
       </p:sp>
     </p:spTree>
     <p:extLst>
       <p:ext uri="{BB962C8B-B14F-4D97-AF65-F5344CB8AC3E}">
-        <p14:creationId xmlns:p14="http://schemas.microsoft.com/office/powerpoint/2010/main" val="1627857246"/>
+        <p14:creationId xmlns:p14="http://schemas.microsoft.com/office/powerpoint/2010/main" val="3541566093"/>
       </p:ext>
     </p:extLst>
   </p:cSld>
